--- a/KarÓraWebShop.pptx
+++ b/KarÓraWebShop.pptx
@@ -253,6 +253,11 @@
       </a:defRPr>
     </a:lvl9pPr>
   </p:defaultTextStyle>
+  <p:extLst>
+    <p:ext uri="{EFAFB233-063F-42B5-8137-9DF3F51BA10A}">
+      <p15:sldGuideLst xmlns:p15="http://schemas.microsoft.com/office/powerpoint/2012/main"/>
+    </p:ext>
+  </p:extLst>
 </p:presentation>
 </file>
 
@@ -10265,13 +10270,7 @@
               <a:rPr lang="hu-HU" dirty="0" smtClean="0">
                 <a:latin typeface="Berlin Sans FB" panose="020E0602020502020306" pitchFamily="34" charset="0"/>
               </a:rPr>
-              <a:t>Bejelentkezés</a:t>
-            </a:r>
-            <a:r>
-              <a:rPr lang="hu-HU" dirty="0" smtClean="0">
-                <a:latin typeface="Berlin Sans FB" panose="020E0602020502020306" pitchFamily="34" charset="0"/>
-              </a:rPr>
-              <a:t> Kód</a:t>
+              <a:t>Bejelentkezés Kód</a:t>
             </a:r>
             <a:endParaRPr dirty="0">
               <a:latin typeface="Berlin Sans FB" panose="020E0602020502020306" pitchFamily="34" charset="0"/>
@@ -10984,13 +10983,7 @@
               <a:rPr lang="hu-HU" dirty="0" smtClean="0">
                 <a:latin typeface="Berlin Sans FB" panose="020E0602020502020306" pitchFamily="34" charset="0"/>
               </a:rPr>
-              <a:t>Bejelentkezés</a:t>
-            </a:r>
-            <a:r>
-              <a:rPr lang="hu-HU" dirty="0" smtClean="0">
-                <a:latin typeface="Berlin Sans FB" panose="020E0602020502020306" pitchFamily="34" charset="0"/>
-              </a:rPr>
-              <a:t> Kód</a:t>
+              <a:t>Bejelentkezés Kód</a:t>
             </a:r>
             <a:endParaRPr dirty="0">
               <a:latin typeface="Berlin Sans FB" panose="020E0602020502020306" pitchFamily="34" charset="0"/>
@@ -12485,9 +12478,6 @@
               </a:rPr>
               <a:t>Rólunk</a:t>
             </a:r>
-            <a:endParaRPr lang="hu-HU" dirty="0">
-              <a:latin typeface="Berlin Sans FB" panose="020E0602020502020306" pitchFamily="34" charset="0"/>
-            </a:endParaRPr>
           </a:p>
         </p:txBody>
       </p:sp>
@@ -12583,6 +12573,330 @@
           </a:p>
         </p:txBody>
       </p:sp>
+      <p:pic>
+        <p:nvPicPr>
+          <p:cNvPr id="15" name="Kép 14"/>
+          <p:cNvPicPr>
+            <a:picLocks noChangeAspect="1"/>
+          </p:cNvPicPr>
+          <p:nvPr/>
+        </p:nvPicPr>
+        <p:blipFill>
+          <a:blip r:embed="rId3">
+            <a:extLst>
+              <a:ext uri="{28A0092B-C50C-407E-A947-70E740481C1C}">
+                <a14:useLocalDpi xmlns:a14="http://schemas.microsoft.com/office/drawing/2010/main" val="0"/>
+              </a:ext>
+            </a:extLst>
+          </a:blip>
+          <a:stretch>
+            <a:fillRect/>
+          </a:stretch>
+        </p:blipFill>
+        <p:spPr>
+          <a:xfrm>
+            <a:off x="2090383" y="1351947"/>
+            <a:ext cx="387467" cy="387467"/>
+          </a:xfrm>
+          <a:prstGeom prst="roundRect">
+            <a:avLst>
+              <a:gd name="adj" fmla="val 16667"/>
+            </a:avLst>
+          </a:prstGeom>
+          <a:ln>
+            <a:noFill/>
+          </a:ln>
+          <a:effectLst>
+            <a:outerShdw blurRad="76200" dist="38100" dir="7800000" algn="tl" rotWithShape="0">
+              <a:srgbClr val="000000">
+                <a:alpha val="40000"/>
+              </a:srgbClr>
+            </a:outerShdw>
+          </a:effectLst>
+          <a:scene3d>
+            <a:camera prst="orthographicFront"/>
+            <a:lightRig rig="contrasting" dir="t">
+              <a:rot lat="0" lon="0" rev="4200000"/>
+            </a:lightRig>
+          </a:scene3d>
+          <a:sp3d prstMaterial="plastic">
+            <a:bevelT w="381000" h="114300" prst="relaxedInset"/>
+            <a:contourClr>
+              <a:srgbClr val="969696"/>
+            </a:contourClr>
+          </a:sp3d>
+        </p:spPr>
+      </p:pic>
+      <p:pic>
+        <p:nvPicPr>
+          <p:cNvPr id="16" name="Kép 15"/>
+          <p:cNvPicPr>
+            <a:picLocks noChangeAspect="1"/>
+          </p:cNvPicPr>
+          <p:nvPr/>
+        </p:nvPicPr>
+        <p:blipFill>
+          <a:blip r:embed="rId4">
+            <a:extLst>
+              <a:ext uri="{28A0092B-C50C-407E-A947-70E740481C1C}">
+                <a14:useLocalDpi xmlns:a14="http://schemas.microsoft.com/office/drawing/2010/main" val="0"/>
+              </a:ext>
+            </a:extLst>
+          </a:blip>
+          <a:stretch>
+            <a:fillRect/>
+          </a:stretch>
+        </p:blipFill>
+        <p:spPr>
+          <a:xfrm>
+            <a:off x="7153288" y="3495071"/>
+            <a:ext cx="387467" cy="387467"/>
+          </a:xfrm>
+          <a:prstGeom prst="roundRect">
+            <a:avLst>
+              <a:gd name="adj" fmla="val 16667"/>
+            </a:avLst>
+          </a:prstGeom>
+          <a:ln>
+            <a:noFill/>
+          </a:ln>
+          <a:effectLst>
+            <a:outerShdw blurRad="76200" dist="38100" dir="7800000" algn="tl" rotWithShape="0">
+              <a:srgbClr val="000000">
+                <a:alpha val="40000"/>
+              </a:srgbClr>
+            </a:outerShdw>
+          </a:effectLst>
+          <a:scene3d>
+            <a:camera prst="orthographicFront"/>
+            <a:lightRig rig="contrasting" dir="t">
+              <a:rot lat="0" lon="0" rev="4200000"/>
+            </a:lightRig>
+          </a:scene3d>
+          <a:sp3d prstMaterial="plastic">
+            <a:bevelT w="381000" h="114300" prst="relaxedInset"/>
+            <a:contourClr>
+              <a:srgbClr val="969696"/>
+            </a:contourClr>
+          </a:sp3d>
+        </p:spPr>
+      </p:pic>
+      <p:pic>
+        <p:nvPicPr>
+          <p:cNvPr id="17" name="Kép 16"/>
+          <p:cNvPicPr>
+            <a:picLocks noChangeAspect="1"/>
+          </p:cNvPicPr>
+          <p:nvPr/>
+        </p:nvPicPr>
+        <p:blipFill>
+          <a:blip r:embed="rId5">
+            <a:extLst>
+              <a:ext uri="{28A0092B-C50C-407E-A947-70E740481C1C}">
+                <a14:useLocalDpi xmlns:a14="http://schemas.microsoft.com/office/drawing/2010/main" val="0"/>
+              </a:ext>
+            </a:extLst>
+          </a:blip>
+          <a:stretch>
+            <a:fillRect/>
+          </a:stretch>
+        </p:blipFill>
+        <p:spPr>
+          <a:xfrm>
+            <a:off x="5458481" y="2392418"/>
+            <a:ext cx="387467" cy="387467"/>
+          </a:xfrm>
+          <a:prstGeom prst="roundRect">
+            <a:avLst>
+              <a:gd name="adj" fmla="val 0"/>
+            </a:avLst>
+          </a:prstGeom>
+          <a:ln>
+            <a:noFill/>
+          </a:ln>
+          <a:effectLst>
+            <a:outerShdw blurRad="76200" dist="38100" dir="7800000" algn="tl" rotWithShape="0">
+              <a:srgbClr val="000000">
+                <a:alpha val="40000"/>
+              </a:srgbClr>
+            </a:outerShdw>
+          </a:effectLst>
+          <a:scene3d>
+            <a:camera prst="orthographicFront"/>
+            <a:lightRig rig="contrasting" dir="t">
+              <a:rot lat="0" lon="0" rev="4200000"/>
+            </a:lightRig>
+          </a:scene3d>
+          <a:sp3d prstMaterial="plastic">
+            <a:bevelT w="381000" h="114300" prst="relaxedInset"/>
+            <a:contourClr>
+              <a:srgbClr val="969696"/>
+            </a:contourClr>
+          </a:sp3d>
+        </p:spPr>
+      </p:pic>
+      <p:pic>
+        <p:nvPicPr>
+          <p:cNvPr id="18" name="Kép 17"/>
+          <p:cNvPicPr>
+            <a:picLocks noChangeAspect="1"/>
+          </p:cNvPicPr>
+          <p:nvPr/>
+        </p:nvPicPr>
+        <p:blipFill>
+          <a:blip r:embed="rId6">
+            <a:extLst>
+              <a:ext uri="{28A0092B-C50C-407E-A947-70E740481C1C}">
+                <a14:useLocalDpi xmlns:a14="http://schemas.microsoft.com/office/drawing/2010/main" val="0"/>
+              </a:ext>
+            </a:extLst>
+          </a:blip>
+          <a:stretch>
+            <a:fillRect/>
+          </a:stretch>
+        </p:blipFill>
+        <p:spPr>
+          <a:xfrm>
+            <a:off x="5603813" y="1351923"/>
+            <a:ext cx="387467" cy="387467"/>
+          </a:xfrm>
+          <a:prstGeom prst="roundRect">
+            <a:avLst>
+              <a:gd name="adj" fmla="val 16667"/>
+            </a:avLst>
+          </a:prstGeom>
+          <a:ln>
+            <a:noFill/>
+          </a:ln>
+          <a:effectLst>
+            <a:outerShdw blurRad="76200" dist="38100" dir="7800000" algn="tl" rotWithShape="0">
+              <a:srgbClr val="000000">
+                <a:alpha val="40000"/>
+              </a:srgbClr>
+            </a:outerShdw>
+          </a:effectLst>
+          <a:scene3d>
+            <a:camera prst="orthographicFront"/>
+            <a:lightRig rig="contrasting" dir="t">
+              <a:rot lat="0" lon="0" rev="4200000"/>
+            </a:lightRig>
+          </a:scene3d>
+          <a:sp3d prstMaterial="plastic">
+            <a:bevelT w="381000" h="114300" prst="relaxedInset"/>
+            <a:contourClr>
+              <a:srgbClr val="969696"/>
+            </a:contourClr>
+          </a:sp3d>
+        </p:spPr>
+      </p:pic>
+      <p:pic>
+        <p:nvPicPr>
+          <p:cNvPr id="19" name="Kép 18"/>
+          <p:cNvPicPr>
+            <a:picLocks noChangeAspect="1"/>
+          </p:cNvPicPr>
+          <p:nvPr/>
+        </p:nvPicPr>
+        <p:blipFill>
+          <a:blip r:embed="rId7">
+            <a:extLst>
+              <a:ext uri="{28A0092B-C50C-407E-A947-70E740481C1C}">
+                <a14:useLocalDpi xmlns:a14="http://schemas.microsoft.com/office/drawing/2010/main" val="0"/>
+              </a:ext>
+            </a:extLst>
+          </a:blip>
+          <a:stretch>
+            <a:fillRect/>
+          </a:stretch>
+        </p:blipFill>
+        <p:spPr>
+          <a:xfrm>
+            <a:off x="2990290" y="3495072"/>
+            <a:ext cx="387467" cy="387467"/>
+          </a:xfrm>
+          <a:prstGeom prst="roundRect">
+            <a:avLst>
+              <a:gd name="adj" fmla="val 16667"/>
+            </a:avLst>
+          </a:prstGeom>
+          <a:ln>
+            <a:noFill/>
+          </a:ln>
+          <a:effectLst>
+            <a:outerShdw blurRad="76200" dist="38100" dir="7800000" algn="tl" rotWithShape="0">
+              <a:srgbClr val="000000">
+                <a:alpha val="40000"/>
+              </a:srgbClr>
+            </a:outerShdw>
+          </a:effectLst>
+          <a:scene3d>
+            <a:camera prst="orthographicFront"/>
+            <a:lightRig rig="contrasting" dir="t">
+              <a:rot lat="0" lon="0" rev="4200000"/>
+            </a:lightRig>
+          </a:scene3d>
+          <a:sp3d prstMaterial="plastic">
+            <a:bevelT w="381000" h="114300" prst="relaxedInset"/>
+            <a:contourClr>
+              <a:srgbClr val="969696"/>
+            </a:contourClr>
+          </a:sp3d>
+        </p:spPr>
+      </p:pic>
+      <p:pic>
+        <p:nvPicPr>
+          <p:cNvPr id="20" name="Kép 19"/>
+          <p:cNvPicPr>
+            <a:picLocks noChangeAspect="1"/>
+          </p:cNvPicPr>
+          <p:nvPr/>
+        </p:nvPicPr>
+        <p:blipFill>
+          <a:blip r:embed="rId8">
+            <a:extLst>
+              <a:ext uri="{28A0092B-C50C-407E-A947-70E740481C1C}">
+                <a14:useLocalDpi xmlns:a14="http://schemas.microsoft.com/office/drawing/2010/main" val="0"/>
+              </a:ext>
+            </a:extLst>
+          </a:blip>
+          <a:stretch>
+            <a:fillRect/>
+          </a:stretch>
+        </p:blipFill>
+        <p:spPr>
+          <a:xfrm>
+            <a:off x="2441280" y="2423497"/>
+            <a:ext cx="387467" cy="387467"/>
+          </a:xfrm>
+          <a:prstGeom prst="roundRect">
+            <a:avLst>
+              <a:gd name="adj" fmla="val 16667"/>
+            </a:avLst>
+          </a:prstGeom>
+          <a:ln>
+            <a:noFill/>
+          </a:ln>
+          <a:effectLst>
+            <a:outerShdw blurRad="76200" dist="38100" dir="7800000" algn="tl" rotWithShape="0">
+              <a:srgbClr val="000000">
+                <a:alpha val="40000"/>
+              </a:srgbClr>
+            </a:outerShdw>
+          </a:effectLst>
+          <a:scene3d>
+            <a:camera prst="orthographicFront"/>
+            <a:lightRig rig="contrasting" dir="t">
+              <a:rot lat="0" lon="0" rev="4200000"/>
+            </a:lightRig>
+          </a:scene3d>
+          <a:sp3d prstMaterial="plastic">
+            <a:bevelT w="381000" h="114300" prst="relaxedInset"/>
+            <a:contourClr>
+              <a:srgbClr val="969696"/>
+            </a:contourClr>
+          </a:sp3d>
+        </p:spPr>
+      </p:pic>
     </p:spTree>
   </p:cSld>
   <p:clrMapOvr>
@@ -12591,9 +12905,1293 @@
   <p:timing>
     <p:tnLst>
       <p:par>
-        <p:cTn id="1" dur="indefinite" restart="never" nodeType="tmRoot"/>
+        <p:cTn id="1" dur="indefinite" restart="never" nodeType="tmRoot">
+          <p:childTnLst>
+            <p:seq concurrent="1" nextAc="seek">
+              <p:cTn id="2" dur="indefinite" nodeType="mainSeq">
+                <p:childTnLst>
+                  <p:par>
+                    <p:cTn id="3" fill="hold">
+                      <p:stCondLst>
+                        <p:cond delay="indefinite"/>
+                      </p:stCondLst>
+                      <p:childTnLst>
+                        <p:par>
+                          <p:cTn id="4" fill="hold">
+                            <p:stCondLst>
+                              <p:cond delay="0"/>
+                            </p:stCondLst>
+                            <p:childTnLst>
+                              <p:par>
+                                <p:cTn id="5" presetID="2" presetClass="entr" presetSubtype="4" fill="hold" nodeType="clickEffect">
+                                  <p:stCondLst>
+                                    <p:cond delay="0"/>
+                                  </p:stCondLst>
+                                  <p:childTnLst>
+                                    <p:set>
+                                      <p:cBhvr>
+                                        <p:cTn id="6" dur="1" fill="hold">
+                                          <p:stCondLst>
+                                            <p:cond delay="0"/>
+                                          </p:stCondLst>
+                                        </p:cTn>
+                                        <p:tgtEl>
+                                          <p:spTgt spid="161"/>
+                                        </p:tgtEl>
+                                        <p:attrNameLst>
+                                          <p:attrName>style.visibility</p:attrName>
+                                        </p:attrNameLst>
+                                      </p:cBhvr>
+                                      <p:to>
+                                        <p:strVal val="visible"/>
+                                      </p:to>
+                                    </p:set>
+                                    <p:anim calcmode="lin" valueType="num">
+                                      <p:cBhvr additive="base">
+                                        <p:cTn id="7" dur="500" fill="hold"/>
+                                        <p:tgtEl>
+                                          <p:spTgt spid="161"/>
+                                        </p:tgtEl>
+                                        <p:attrNameLst>
+                                          <p:attrName>ppt_x</p:attrName>
+                                        </p:attrNameLst>
+                                      </p:cBhvr>
+                                      <p:tavLst>
+                                        <p:tav tm="0">
+                                          <p:val>
+                                            <p:strVal val="#ppt_x"/>
+                                          </p:val>
+                                        </p:tav>
+                                        <p:tav tm="100000">
+                                          <p:val>
+                                            <p:strVal val="#ppt_x"/>
+                                          </p:val>
+                                        </p:tav>
+                                      </p:tavLst>
+                                    </p:anim>
+                                    <p:anim calcmode="lin" valueType="num">
+                                      <p:cBhvr additive="base">
+                                        <p:cTn id="8" dur="500" fill="hold"/>
+                                        <p:tgtEl>
+                                          <p:spTgt spid="161"/>
+                                        </p:tgtEl>
+                                        <p:attrNameLst>
+                                          <p:attrName>ppt_y</p:attrName>
+                                        </p:attrNameLst>
+                                      </p:cBhvr>
+                                      <p:tavLst>
+                                        <p:tav tm="0">
+                                          <p:val>
+                                            <p:strVal val="1+#ppt_h/2"/>
+                                          </p:val>
+                                        </p:tav>
+                                        <p:tav tm="100000">
+                                          <p:val>
+                                            <p:strVal val="#ppt_y"/>
+                                          </p:val>
+                                        </p:tav>
+                                      </p:tavLst>
+                                    </p:anim>
+                                  </p:childTnLst>
+                                </p:cTn>
+                              </p:par>
+                            </p:childTnLst>
+                          </p:cTn>
+                        </p:par>
+                      </p:childTnLst>
+                    </p:cTn>
+                  </p:par>
+                  <p:par>
+                    <p:cTn id="9" fill="hold">
+                      <p:stCondLst>
+                        <p:cond delay="indefinite"/>
+                      </p:stCondLst>
+                      <p:childTnLst>
+                        <p:par>
+                          <p:cTn id="10" fill="hold">
+                            <p:stCondLst>
+                              <p:cond delay="0"/>
+                            </p:stCondLst>
+                            <p:childTnLst>
+                              <p:par>
+                                <p:cTn id="11" presetID="2" presetClass="entr" presetSubtype="4" fill="hold" nodeType="clickEffect">
+                                  <p:stCondLst>
+                                    <p:cond delay="0"/>
+                                  </p:stCondLst>
+                                  <p:childTnLst>
+                                    <p:set>
+                                      <p:cBhvr>
+                                        <p:cTn id="12" dur="1" fill="hold">
+                                          <p:stCondLst>
+                                            <p:cond delay="0"/>
+                                          </p:stCondLst>
+                                        </p:cTn>
+                                        <p:tgtEl>
+                                          <p:spTgt spid="168">
+                                            <p:txEl>
+                                              <p:pRg st="0" end="0"/>
+                                            </p:txEl>
+                                          </p:spTgt>
+                                        </p:tgtEl>
+                                        <p:attrNameLst>
+                                          <p:attrName>style.visibility</p:attrName>
+                                        </p:attrNameLst>
+                                      </p:cBhvr>
+                                      <p:to>
+                                        <p:strVal val="visible"/>
+                                      </p:to>
+                                    </p:set>
+                                    <p:anim calcmode="lin" valueType="num">
+                                      <p:cBhvr additive="base">
+                                        <p:cTn id="13" dur="500" fill="hold"/>
+                                        <p:tgtEl>
+                                          <p:spTgt spid="168">
+                                            <p:txEl>
+                                              <p:pRg st="0" end="0"/>
+                                            </p:txEl>
+                                          </p:spTgt>
+                                        </p:tgtEl>
+                                        <p:attrNameLst>
+                                          <p:attrName>ppt_x</p:attrName>
+                                        </p:attrNameLst>
+                                      </p:cBhvr>
+                                      <p:tavLst>
+                                        <p:tav tm="0">
+                                          <p:val>
+                                            <p:strVal val="#ppt_x"/>
+                                          </p:val>
+                                        </p:tav>
+                                        <p:tav tm="100000">
+                                          <p:val>
+                                            <p:strVal val="#ppt_x"/>
+                                          </p:val>
+                                        </p:tav>
+                                      </p:tavLst>
+                                    </p:anim>
+                                    <p:anim calcmode="lin" valueType="num">
+                                      <p:cBhvr additive="base">
+                                        <p:cTn id="14" dur="500" fill="hold"/>
+                                        <p:tgtEl>
+                                          <p:spTgt spid="168">
+                                            <p:txEl>
+                                              <p:pRg st="0" end="0"/>
+                                            </p:txEl>
+                                          </p:spTgt>
+                                        </p:tgtEl>
+                                        <p:attrNameLst>
+                                          <p:attrName>ppt_y</p:attrName>
+                                        </p:attrNameLst>
+                                      </p:cBhvr>
+                                      <p:tavLst>
+                                        <p:tav tm="0">
+                                          <p:val>
+                                            <p:strVal val="1+#ppt_h/2"/>
+                                          </p:val>
+                                        </p:tav>
+                                        <p:tav tm="100000">
+                                          <p:val>
+                                            <p:strVal val="#ppt_y"/>
+                                          </p:val>
+                                        </p:tav>
+                                      </p:tavLst>
+                                    </p:anim>
+                                  </p:childTnLst>
+                                </p:cTn>
+                              </p:par>
+                            </p:childTnLst>
+                          </p:cTn>
+                        </p:par>
+                      </p:childTnLst>
+                    </p:cTn>
+                  </p:par>
+                  <p:par>
+                    <p:cTn id="15" fill="hold">
+                      <p:stCondLst>
+                        <p:cond delay="indefinite"/>
+                      </p:stCondLst>
+                      <p:childTnLst>
+                        <p:par>
+                          <p:cTn id="16" fill="hold">
+                            <p:stCondLst>
+                              <p:cond delay="0"/>
+                            </p:stCondLst>
+                            <p:childTnLst>
+                              <p:par>
+                                <p:cTn id="17" presetID="2" presetClass="entr" presetSubtype="4" fill="hold" nodeType="clickEffect">
+                                  <p:stCondLst>
+                                    <p:cond delay="0"/>
+                                  </p:stCondLst>
+                                  <p:childTnLst>
+                                    <p:set>
+                                      <p:cBhvr>
+                                        <p:cTn id="18" dur="1" fill="hold">
+                                          <p:stCondLst>
+                                            <p:cond delay="0"/>
+                                          </p:stCondLst>
+                                        </p:cTn>
+                                        <p:tgtEl>
+                                          <p:spTgt spid="15"/>
+                                        </p:tgtEl>
+                                        <p:attrNameLst>
+                                          <p:attrName>style.visibility</p:attrName>
+                                        </p:attrNameLst>
+                                      </p:cBhvr>
+                                      <p:to>
+                                        <p:strVal val="visible"/>
+                                      </p:to>
+                                    </p:set>
+                                    <p:anim calcmode="lin" valueType="num">
+                                      <p:cBhvr additive="base">
+                                        <p:cTn id="19" dur="500" fill="hold"/>
+                                        <p:tgtEl>
+                                          <p:spTgt spid="15"/>
+                                        </p:tgtEl>
+                                        <p:attrNameLst>
+                                          <p:attrName>ppt_x</p:attrName>
+                                        </p:attrNameLst>
+                                      </p:cBhvr>
+                                      <p:tavLst>
+                                        <p:tav tm="0">
+                                          <p:val>
+                                            <p:strVal val="#ppt_x"/>
+                                          </p:val>
+                                        </p:tav>
+                                        <p:tav tm="100000">
+                                          <p:val>
+                                            <p:strVal val="#ppt_x"/>
+                                          </p:val>
+                                        </p:tav>
+                                      </p:tavLst>
+                                    </p:anim>
+                                    <p:anim calcmode="lin" valueType="num">
+                                      <p:cBhvr additive="base">
+                                        <p:cTn id="20" dur="500" fill="hold"/>
+                                        <p:tgtEl>
+                                          <p:spTgt spid="15"/>
+                                        </p:tgtEl>
+                                        <p:attrNameLst>
+                                          <p:attrName>ppt_y</p:attrName>
+                                        </p:attrNameLst>
+                                      </p:cBhvr>
+                                      <p:tavLst>
+                                        <p:tav tm="0">
+                                          <p:val>
+                                            <p:strVal val="1+#ppt_h/2"/>
+                                          </p:val>
+                                        </p:tav>
+                                        <p:tav tm="100000">
+                                          <p:val>
+                                            <p:strVal val="#ppt_y"/>
+                                          </p:val>
+                                        </p:tav>
+                                      </p:tavLst>
+                                    </p:anim>
+                                  </p:childTnLst>
+                                </p:cTn>
+                              </p:par>
+                            </p:childTnLst>
+                          </p:cTn>
+                        </p:par>
+                      </p:childTnLst>
+                    </p:cTn>
+                  </p:par>
+                  <p:par>
+                    <p:cTn id="21" fill="hold">
+                      <p:stCondLst>
+                        <p:cond delay="indefinite"/>
+                      </p:stCondLst>
+                      <p:childTnLst>
+                        <p:par>
+                          <p:cTn id="22" fill="hold">
+                            <p:stCondLst>
+                              <p:cond delay="0"/>
+                            </p:stCondLst>
+                            <p:childTnLst>
+                              <p:par>
+                                <p:cTn id="23" presetID="2" presetClass="entr" presetSubtype="4" fill="hold" grpId="0" nodeType="clickEffect">
+                                  <p:stCondLst>
+                                    <p:cond delay="0"/>
+                                  </p:stCondLst>
+                                  <p:childTnLst>
+                                    <p:set>
+                                      <p:cBhvr>
+                                        <p:cTn id="24" dur="1" fill="hold">
+                                          <p:stCondLst>
+                                            <p:cond delay="0"/>
+                                          </p:stCondLst>
+                                        </p:cTn>
+                                        <p:tgtEl>
+                                          <p:spTgt spid="169">
+                                            <p:txEl>
+                                              <p:pRg st="0" end="0"/>
+                                            </p:txEl>
+                                          </p:spTgt>
+                                        </p:tgtEl>
+                                        <p:attrNameLst>
+                                          <p:attrName>style.visibility</p:attrName>
+                                        </p:attrNameLst>
+                                      </p:cBhvr>
+                                      <p:to>
+                                        <p:strVal val="visible"/>
+                                      </p:to>
+                                    </p:set>
+                                    <p:anim calcmode="lin" valueType="num">
+                                      <p:cBhvr additive="base">
+                                        <p:cTn id="25" dur="500" fill="hold"/>
+                                        <p:tgtEl>
+                                          <p:spTgt spid="169">
+                                            <p:txEl>
+                                              <p:pRg st="0" end="0"/>
+                                            </p:txEl>
+                                          </p:spTgt>
+                                        </p:tgtEl>
+                                        <p:attrNameLst>
+                                          <p:attrName>ppt_x</p:attrName>
+                                        </p:attrNameLst>
+                                      </p:cBhvr>
+                                      <p:tavLst>
+                                        <p:tav tm="0">
+                                          <p:val>
+                                            <p:strVal val="#ppt_x"/>
+                                          </p:val>
+                                        </p:tav>
+                                        <p:tav tm="100000">
+                                          <p:val>
+                                            <p:strVal val="#ppt_x"/>
+                                          </p:val>
+                                        </p:tav>
+                                      </p:tavLst>
+                                    </p:anim>
+                                    <p:anim calcmode="lin" valueType="num">
+                                      <p:cBhvr additive="base">
+                                        <p:cTn id="26" dur="500" fill="hold"/>
+                                        <p:tgtEl>
+                                          <p:spTgt spid="169">
+                                            <p:txEl>
+                                              <p:pRg st="0" end="0"/>
+                                            </p:txEl>
+                                          </p:spTgt>
+                                        </p:tgtEl>
+                                        <p:attrNameLst>
+                                          <p:attrName>ppt_y</p:attrName>
+                                        </p:attrNameLst>
+                                      </p:cBhvr>
+                                      <p:tavLst>
+                                        <p:tav tm="0">
+                                          <p:val>
+                                            <p:strVal val="1+#ppt_h/2"/>
+                                          </p:val>
+                                        </p:tav>
+                                        <p:tav tm="100000">
+                                          <p:val>
+                                            <p:strVal val="#ppt_y"/>
+                                          </p:val>
+                                        </p:tav>
+                                      </p:tavLst>
+                                    </p:anim>
+                                  </p:childTnLst>
+                                </p:cTn>
+                              </p:par>
+                            </p:childTnLst>
+                          </p:cTn>
+                        </p:par>
+                      </p:childTnLst>
+                    </p:cTn>
+                  </p:par>
+                  <p:par>
+                    <p:cTn id="27" fill="hold">
+                      <p:stCondLst>
+                        <p:cond delay="indefinite"/>
+                      </p:stCondLst>
+                      <p:childTnLst>
+                        <p:par>
+                          <p:cTn id="28" fill="hold">
+                            <p:stCondLst>
+                              <p:cond delay="0"/>
+                            </p:stCondLst>
+                            <p:childTnLst>
+                              <p:par>
+                                <p:cTn id="29" presetID="2" presetClass="entr" presetSubtype="4" fill="hold" nodeType="clickEffect">
+                                  <p:stCondLst>
+                                    <p:cond delay="0"/>
+                                  </p:stCondLst>
+                                  <p:childTnLst>
+                                    <p:set>
+                                      <p:cBhvr>
+                                        <p:cTn id="30" dur="1" fill="hold">
+                                          <p:stCondLst>
+                                            <p:cond delay="0"/>
+                                          </p:stCondLst>
+                                        </p:cTn>
+                                        <p:tgtEl>
+                                          <p:spTgt spid="20"/>
+                                        </p:tgtEl>
+                                        <p:attrNameLst>
+                                          <p:attrName>style.visibility</p:attrName>
+                                        </p:attrNameLst>
+                                      </p:cBhvr>
+                                      <p:to>
+                                        <p:strVal val="visible"/>
+                                      </p:to>
+                                    </p:set>
+                                    <p:anim calcmode="lin" valueType="num">
+                                      <p:cBhvr additive="base">
+                                        <p:cTn id="31" dur="500" fill="hold"/>
+                                        <p:tgtEl>
+                                          <p:spTgt spid="20"/>
+                                        </p:tgtEl>
+                                        <p:attrNameLst>
+                                          <p:attrName>ppt_x</p:attrName>
+                                        </p:attrNameLst>
+                                      </p:cBhvr>
+                                      <p:tavLst>
+                                        <p:tav tm="0">
+                                          <p:val>
+                                            <p:strVal val="#ppt_x"/>
+                                          </p:val>
+                                        </p:tav>
+                                        <p:tav tm="100000">
+                                          <p:val>
+                                            <p:strVal val="#ppt_x"/>
+                                          </p:val>
+                                        </p:tav>
+                                      </p:tavLst>
+                                    </p:anim>
+                                    <p:anim calcmode="lin" valueType="num">
+                                      <p:cBhvr additive="base">
+                                        <p:cTn id="32" dur="500" fill="hold"/>
+                                        <p:tgtEl>
+                                          <p:spTgt spid="20"/>
+                                        </p:tgtEl>
+                                        <p:attrNameLst>
+                                          <p:attrName>ppt_y</p:attrName>
+                                        </p:attrNameLst>
+                                      </p:cBhvr>
+                                      <p:tavLst>
+                                        <p:tav tm="0">
+                                          <p:val>
+                                            <p:strVal val="1+#ppt_h/2"/>
+                                          </p:val>
+                                        </p:tav>
+                                        <p:tav tm="100000">
+                                          <p:val>
+                                            <p:strVal val="#ppt_y"/>
+                                          </p:val>
+                                        </p:tav>
+                                      </p:tavLst>
+                                    </p:anim>
+                                  </p:childTnLst>
+                                </p:cTn>
+                              </p:par>
+                            </p:childTnLst>
+                          </p:cTn>
+                        </p:par>
+                      </p:childTnLst>
+                    </p:cTn>
+                  </p:par>
+                  <p:par>
+                    <p:cTn id="33" fill="hold">
+                      <p:stCondLst>
+                        <p:cond delay="indefinite"/>
+                      </p:stCondLst>
+                      <p:childTnLst>
+                        <p:par>
+                          <p:cTn id="34" fill="hold">
+                            <p:stCondLst>
+                              <p:cond delay="0"/>
+                            </p:stCondLst>
+                            <p:childTnLst>
+                              <p:par>
+                                <p:cTn id="35" presetID="2" presetClass="entr" presetSubtype="4" fill="hold" grpId="0" nodeType="clickEffect">
+                                  <p:stCondLst>
+                                    <p:cond delay="0"/>
+                                  </p:stCondLst>
+                                  <p:childTnLst>
+                                    <p:set>
+                                      <p:cBhvr>
+                                        <p:cTn id="36" dur="1" fill="hold">
+                                          <p:stCondLst>
+                                            <p:cond delay="0"/>
+                                          </p:stCondLst>
+                                        </p:cTn>
+                                        <p:tgtEl>
+                                          <p:spTgt spid="170">
+                                            <p:txEl>
+                                              <p:pRg st="0" end="0"/>
+                                            </p:txEl>
+                                          </p:spTgt>
+                                        </p:tgtEl>
+                                        <p:attrNameLst>
+                                          <p:attrName>style.visibility</p:attrName>
+                                        </p:attrNameLst>
+                                      </p:cBhvr>
+                                      <p:to>
+                                        <p:strVal val="visible"/>
+                                      </p:to>
+                                    </p:set>
+                                    <p:anim calcmode="lin" valueType="num">
+                                      <p:cBhvr additive="base">
+                                        <p:cTn id="37" dur="500" fill="hold"/>
+                                        <p:tgtEl>
+                                          <p:spTgt spid="170">
+                                            <p:txEl>
+                                              <p:pRg st="0" end="0"/>
+                                            </p:txEl>
+                                          </p:spTgt>
+                                        </p:tgtEl>
+                                        <p:attrNameLst>
+                                          <p:attrName>ppt_x</p:attrName>
+                                        </p:attrNameLst>
+                                      </p:cBhvr>
+                                      <p:tavLst>
+                                        <p:tav tm="0">
+                                          <p:val>
+                                            <p:strVal val="#ppt_x"/>
+                                          </p:val>
+                                        </p:tav>
+                                        <p:tav tm="100000">
+                                          <p:val>
+                                            <p:strVal val="#ppt_x"/>
+                                          </p:val>
+                                        </p:tav>
+                                      </p:tavLst>
+                                    </p:anim>
+                                    <p:anim calcmode="lin" valueType="num">
+                                      <p:cBhvr additive="base">
+                                        <p:cTn id="38" dur="500" fill="hold"/>
+                                        <p:tgtEl>
+                                          <p:spTgt spid="170">
+                                            <p:txEl>
+                                              <p:pRg st="0" end="0"/>
+                                            </p:txEl>
+                                          </p:spTgt>
+                                        </p:tgtEl>
+                                        <p:attrNameLst>
+                                          <p:attrName>ppt_y</p:attrName>
+                                        </p:attrNameLst>
+                                      </p:cBhvr>
+                                      <p:tavLst>
+                                        <p:tav tm="0">
+                                          <p:val>
+                                            <p:strVal val="1+#ppt_h/2"/>
+                                          </p:val>
+                                        </p:tav>
+                                        <p:tav tm="100000">
+                                          <p:val>
+                                            <p:strVal val="#ppt_y"/>
+                                          </p:val>
+                                        </p:tav>
+                                      </p:tavLst>
+                                    </p:anim>
+                                  </p:childTnLst>
+                                </p:cTn>
+                              </p:par>
+                            </p:childTnLst>
+                          </p:cTn>
+                        </p:par>
+                      </p:childTnLst>
+                    </p:cTn>
+                  </p:par>
+                  <p:par>
+                    <p:cTn id="39" fill="hold">
+                      <p:stCondLst>
+                        <p:cond delay="indefinite"/>
+                      </p:stCondLst>
+                      <p:childTnLst>
+                        <p:par>
+                          <p:cTn id="40" fill="hold">
+                            <p:stCondLst>
+                              <p:cond delay="0"/>
+                            </p:stCondLst>
+                            <p:childTnLst>
+                              <p:par>
+                                <p:cTn id="41" presetID="2" presetClass="entr" presetSubtype="4" fill="hold" nodeType="clickEffect">
+                                  <p:stCondLst>
+                                    <p:cond delay="0"/>
+                                  </p:stCondLst>
+                                  <p:childTnLst>
+                                    <p:set>
+                                      <p:cBhvr>
+                                        <p:cTn id="42" dur="1" fill="hold">
+                                          <p:stCondLst>
+                                            <p:cond delay="0"/>
+                                          </p:stCondLst>
+                                        </p:cTn>
+                                        <p:tgtEl>
+                                          <p:spTgt spid="19"/>
+                                        </p:tgtEl>
+                                        <p:attrNameLst>
+                                          <p:attrName>style.visibility</p:attrName>
+                                        </p:attrNameLst>
+                                      </p:cBhvr>
+                                      <p:to>
+                                        <p:strVal val="visible"/>
+                                      </p:to>
+                                    </p:set>
+                                    <p:anim calcmode="lin" valueType="num">
+                                      <p:cBhvr additive="base">
+                                        <p:cTn id="43" dur="500" fill="hold"/>
+                                        <p:tgtEl>
+                                          <p:spTgt spid="19"/>
+                                        </p:tgtEl>
+                                        <p:attrNameLst>
+                                          <p:attrName>ppt_x</p:attrName>
+                                        </p:attrNameLst>
+                                      </p:cBhvr>
+                                      <p:tavLst>
+                                        <p:tav tm="0">
+                                          <p:val>
+                                            <p:strVal val="#ppt_x"/>
+                                          </p:val>
+                                        </p:tav>
+                                        <p:tav tm="100000">
+                                          <p:val>
+                                            <p:strVal val="#ppt_x"/>
+                                          </p:val>
+                                        </p:tav>
+                                      </p:tavLst>
+                                    </p:anim>
+                                    <p:anim calcmode="lin" valueType="num">
+                                      <p:cBhvr additive="base">
+                                        <p:cTn id="44" dur="500" fill="hold"/>
+                                        <p:tgtEl>
+                                          <p:spTgt spid="19"/>
+                                        </p:tgtEl>
+                                        <p:attrNameLst>
+                                          <p:attrName>ppt_y</p:attrName>
+                                        </p:attrNameLst>
+                                      </p:cBhvr>
+                                      <p:tavLst>
+                                        <p:tav tm="0">
+                                          <p:val>
+                                            <p:strVal val="1+#ppt_h/2"/>
+                                          </p:val>
+                                        </p:tav>
+                                        <p:tav tm="100000">
+                                          <p:val>
+                                            <p:strVal val="#ppt_y"/>
+                                          </p:val>
+                                        </p:tav>
+                                      </p:tavLst>
+                                    </p:anim>
+                                  </p:childTnLst>
+                                </p:cTn>
+                              </p:par>
+                            </p:childTnLst>
+                          </p:cTn>
+                        </p:par>
+                      </p:childTnLst>
+                    </p:cTn>
+                  </p:par>
+                  <p:par>
+                    <p:cTn id="45" fill="hold">
+                      <p:stCondLst>
+                        <p:cond delay="indefinite"/>
+                      </p:stCondLst>
+                      <p:childTnLst>
+                        <p:par>
+                          <p:cTn id="46" fill="hold">
+                            <p:stCondLst>
+                              <p:cond delay="0"/>
+                            </p:stCondLst>
+                            <p:childTnLst>
+                              <p:par>
+                                <p:cTn id="47" presetID="2" presetClass="entr" presetSubtype="4" fill="hold" grpId="0" nodeType="clickEffect">
+                                  <p:stCondLst>
+                                    <p:cond delay="0"/>
+                                  </p:stCondLst>
+                                  <p:childTnLst>
+                                    <p:set>
+                                      <p:cBhvr>
+                                        <p:cTn id="48" dur="1" fill="hold">
+                                          <p:stCondLst>
+                                            <p:cond delay="0"/>
+                                          </p:stCondLst>
+                                        </p:cTn>
+                                        <p:tgtEl>
+                                          <p:spTgt spid="171">
+                                            <p:txEl>
+                                              <p:pRg st="0" end="0"/>
+                                            </p:txEl>
+                                          </p:spTgt>
+                                        </p:tgtEl>
+                                        <p:attrNameLst>
+                                          <p:attrName>style.visibility</p:attrName>
+                                        </p:attrNameLst>
+                                      </p:cBhvr>
+                                      <p:to>
+                                        <p:strVal val="visible"/>
+                                      </p:to>
+                                    </p:set>
+                                    <p:anim calcmode="lin" valueType="num">
+                                      <p:cBhvr additive="base">
+                                        <p:cTn id="49" dur="500" fill="hold"/>
+                                        <p:tgtEl>
+                                          <p:spTgt spid="171">
+                                            <p:txEl>
+                                              <p:pRg st="0" end="0"/>
+                                            </p:txEl>
+                                          </p:spTgt>
+                                        </p:tgtEl>
+                                        <p:attrNameLst>
+                                          <p:attrName>ppt_x</p:attrName>
+                                        </p:attrNameLst>
+                                      </p:cBhvr>
+                                      <p:tavLst>
+                                        <p:tav tm="0">
+                                          <p:val>
+                                            <p:strVal val="#ppt_x"/>
+                                          </p:val>
+                                        </p:tav>
+                                        <p:tav tm="100000">
+                                          <p:val>
+                                            <p:strVal val="#ppt_x"/>
+                                          </p:val>
+                                        </p:tav>
+                                      </p:tavLst>
+                                    </p:anim>
+                                    <p:anim calcmode="lin" valueType="num">
+                                      <p:cBhvr additive="base">
+                                        <p:cTn id="50" dur="500" fill="hold"/>
+                                        <p:tgtEl>
+                                          <p:spTgt spid="171">
+                                            <p:txEl>
+                                              <p:pRg st="0" end="0"/>
+                                            </p:txEl>
+                                          </p:spTgt>
+                                        </p:tgtEl>
+                                        <p:attrNameLst>
+                                          <p:attrName>ppt_y</p:attrName>
+                                        </p:attrNameLst>
+                                      </p:cBhvr>
+                                      <p:tavLst>
+                                        <p:tav tm="0">
+                                          <p:val>
+                                            <p:strVal val="1+#ppt_h/2"/>
+                                          </p:val>
+                                        </p:tav>
+                                        <p:tav tm="100000">
+                                          <p:val>
+                                            <p:strVal val="#ppt_y"/>
+                                          </p:val>
+                                        </p:tav>
+                                      </p:tavLst>
+                                    </p:anim>
+                                  </p:childTnLst>
+                                </p:cTn>
+                              </p:par>
+                            </p:childTnLst>
+                          </p:cTn>
+                        </p:par>
+                      </p:childTnLst>
+                    </p:cTn>
+                  </p:par>
+                  <p:par>
+                    <p:cTn id="51" fill="hold">
+                      <p:stCondLst>
+                        <p:cond delay="indefinite"/>
+                      </p:stCondLst>
+                      <p:childTnLst>
+                        <p:par>
+                          <p:cTn id="52" fill="hold">
+                            <p:stCondLst>
+                              <p:cond delay="0"/>
+                            </p:stCondLst>
+                            <p:childTnLst>
+                              <p:par>
+                                <p:cTn id="53" presetID="2" presetClass="entr" presetSubtype="4" fill="hold" nodeType="clickEffect">
+                                  <p:stCondLst>
+                                    <p:cond delay="0"/>
+                                  </p:stCondLst>
+                                  <p:childTnLst>
+                                    <p:set>
+                                      <p:cBhvr>
+                                        <p:cTn id="54" dur="1" fill="hold">
+                                          <p:stCondLst>
+                                            <p:cond delay="0"/>
+                                          </p:stCondLst>
+                                        </p:cTn>
+                                        <p:tgtEl>
+                                          <p:spTgt spid="18"/>
+                                        </p:tgtEl>
+                                        <p:attrNameLst>
+                                          <p:attrName>style.visibility</p:attrName>
+                                        </p:attrNameLst>
+                                      </p:cBhvr>
+                                      <p:to>
+                                        <p:strVal val="visible"/>
+                                      </p:to>
+                                    </p:set>
+                                    <p:anim calcmode="lin" valueType="num">
+                                      <p:cBhvr additive="base">
+                                        <p:cTn id="55" dur="500" fill="hold"/>
+                                        <p:tgtEl>
+                                          <p:spTgt spid="18"/>
+                                        </p:tgtEl>
+                                        <p:attrNameLst>
+                                          <p:attrName>ppt_x</p:attrName>
+                                        </p:attrNameLst>
+                                      </p:cBhvr>
+                                      <p:tavLst>
+                                        <p:tav tm="0">
+                                          <p:val>
+                                            <p:strVal val="#ppt_x"/>
+                                          </p:val>
+                                        </p:tav>
+                                        <p:tav tm="100000">
+                                          <p:val>
+                                            <p:strVal val="#ppt_x"/>
+                                          </p:val>
+                                        </p:tav>
+                                      </p:tavLst>
+                                    </p:anim>
+                                    <p:anim calcmode="lin" valueType="num">
+                                      <p:cBhvr additive="base">
+                                        <p:cTn id="56" dur="500" fill="hold"/>
+                                        <p:tgtEl>
+                                          <p:spTgt spid="18"/>
+                                        </p:tgtEl>
+                                        <p:attrNameLst>
+                                          <p:attrName>ppt_y</p:attrName>
+                                        </p:attrNameLst>
+                                      </p:cBhvr>
+                                      <p:tavLst>
+                                        <p:tav tm="0">
+                                          <p:val>
+                                            <p:strVal val="1+#ppt_h/2"/>
+                                          </p:val>
+                                        </p:tav>
+                                        <p:tav tm="100000">
+                                          <p:val>
+                                            <p:strVal val="#ppt_y"/>
+                                          </p:val>
+                                        </p:tav>
+                                      </p:tavLst>
+                                    </p:anim>
+                                  </p:childTnLst>
+                                </p:cTn>
+                              </p:par>
+                            </p:childTnLst>
+                          </p:cTn>
+                        </p:par>
+                      </p:childTnLst>
+                    </p:cTn>
+                  </p:par>
+                  <p:par>
+                    <p:cTn id="57" fill="hold">
+                      <p:stCondLst>
+                        <p:cond delay="indefinite"/>
+                      </p:stCondLst>
+                      <p:childTnLst>
+                        <p:par>
+                          <p:cTn id="58" fill="hold">
+                            <p:stCondLst>
+                              <p:cond delay="0"/>
+                            </p:stCondLst>
+                            <p:childTnLst>
+                              <p:par>
+                                <p:cTn id="59" presetID="2" presetClass="entr" presetSubtype="4" fill="hold" nodeType="clickEffect">
+                                  <p:stCondLst>
+                                    <p:cond delay="0"/>
+                                  </p:stCondLst>
+                                  <p:childTnLst>
+                                    <p:set>
+                                      <p:cBhvr>
+                                        <p:cTn id="60" dur="1" fill="hold">
+                                          <p:stCondLst>
+                                            <p:cond delay="0"/>
+                                          </p:stCondLst>
+                                        </p:cTn>
+                                        <p:tgtEl>
+                                          <p:spTgt spid="172">
+                                            <p:txEl>
+                                              <p:pRg st="0" end="0"/>
+                                            </p:txEl>
+                                          </p:spTgt>
+                                        </p:tgtEl>
+                                        <p:attrNameLst>
+                                          <p:attrName>style.visibility</p:attrName>
+                                        </p:attrNameLst>
+                                      </p:cBhvr>
+                                      <p:to>
+                                        <p:strVal val="visible"/>
+                                      </p:to>
+                                    </p:set>
+                                    <p:anim calcmode="lin" valueType="num">
+                                      <p:cBhvr additive="base">
+                                        <p:cTn id="61" dur="500" fill="hold"/>
+                                        <p:tgtEl>
+                                          <p:spTgt spid="172">
+                                            <p:txEl>
+                                              <p:pRg st="0" end="0"/>
+                                            </p:txEl>
+                                          </p:spTgt>
+                                        </p:tgtEl>
+                                        <p:attrNameLst>
+                                          <p:attrName>ppt_x</p:attrName>
+                                        </p:attrNameLst>
+                                      </p:cBhvr>
+                                      <p:tavLst>
+                                        <p:tav tm="0">
+                                          <p:val>
+                                            <p:strVal val="#ppt_x"/>
+                                          </p:val>
+                                        </p:tav>
+                                        <p:tav tm="100000">
+                                          <p:val>
+                                            <p:strVal val="#ppt_x"/>
+                                          </p:val>
+                                        </p:tav>
+                                      </p:tavLst>
+                                    </p:anim>
+                                    <p:anim calcmode="lin" valueType="num">
+                                      <p:cBhvr additive="base">
+                                        <p:cTn id="62" dur="500" fill="hold"/>
+                                        <p:tgtEl>
+                                          <p:spTgt spid="172">
+                                            <p:txEl>
+                                              <p:pRg st="0" end="0"/>
+                                            </p:txEl>
+                                          </p:spTgt>
+                                        </p:tgtEl>
+                                        <p:attrNameLst>
+                                          <p:attrName>ppt_y</p:attrName>
+                                        </p:attrNameLst>
+                                      </p:cBhvr>
+                                      <p:tavLst>
+                                        <p:tav tm="0">
+                                          <p:val>
+                                            <p:strVal val="1+#ppt_h/2"/>
+                                          </p:val>
+                                        </p:tav>
+                                        <p:tav tm="100000">
+                                          <p:val>
+                                            <p:strVal val="#ppt_y"/>
+                                          </p:val>
+                                        </p:tav>
+                                      </p:tavLst>
+                                    </p:anim>
+                                  </p:childTnLst>
+                                </p:cTn>
+                              </p:par>
+                            </p:childTnLst>
+                          </p:cTn>
+                        </p:par>
+                      </p:childTnLst>
+                    </p:cTn>
+                  </p:par>
+                  <p:par>
+                    <p:cTn id="63" fill="hold">
+                      <p:stCondLst>
+                        <p:cond delay="indefinite"/>
+                      </p:stCondLst>
+                      <p:childTnLst>
+                        <p:par>
+                          <p:cTn id="64" fill="hold">
+                            <p:stCondLst>
+                              <p:cond delay="0"/>
+                            </p:stCondLst>
+                            <p:childTnLst>
+                              <p:par>
+                                <p:cTn id="65" presetID="2" presetClass="entr" presetSubtype="4" fill="hold" nodeType="clickEffect">
+                                  <p:stCondLst>
+                                    <p:cond delay="0"/>
+                                  </p:stCondLst>
+                                  <p:childTnLst>
+                                    <p:set>
+                                      <p:cBhvr>
+                                        <p:cTn id="66" dur="1" fill="hold">
+                                          <p:stCondLst>
+                                            <p:cond delay="0"/>
+                                          </p:stCondLst>
+                                        </p:cTn>
+                                        <p:tgtEl>
+                                          <p:spTgt spid="17"/>
+                                        </p:tgtEl>
+                                        <p:attrNameLst>
+                                          <p:attrName>style.visibility</p:attrName>
+                                        </p:attrNameLst>
+                                      </p:cBhvr>
+                                      <p:to>
+                                        <p:strVal val="visible"/>
+                                      </p:to>
+                                    </p:set>
+                                    <p:anim calcmode="lin" valueType="num">
+                                      <p:cBhvr additive="base">
+                                        <p:cTn id="67" dur="500" fill="hold"/>
+                                        <p:tgtEl>
+                                          <p:spTgt spid="17"/>
+                                        </p:tgtEl>
+                                        <p:attrNameLst>
+                                          <p:attrName>ppt_x</p:attrName>
+                                        </p:attrNameLst>
+                                      </p:cBhvr>
+                                      <p:tavLst>
+                                        <p:tav tm="0">
+                                          <p:val>
+                                            <p:strVal val="#ppt_x"/>
+                                          </p:val>
+                                        </p:tav>
+                                        <p:tav tm="100000">
+                                          <p:val>
+                                            <p:strVal val="#ppt_x"/>
+                                          </p:val>
+                                        </p:tav>
+                                      </p:tavLst>
+                                    </p:anim>
+                                    <p:anim calcmode="lin" valueType="num">
+                                      <p:cBhvr additive="base">
+                                        <p:cTn id="68" dur="500" fill="hold"/>
+                                        <p:tgtEl>
+                                          <p:spTgt spid="17"/>
+                                        </p:tgtEl>
+                                        <p:attrNameLst>
+                                          <p:attrName>ppt_y</p:attrName>
+                                        </p:attrNameLst>
+                                      </p:cBhvr>
+                                      <p:tavLst>
+                                        <p:tav tm="0">
+                                          <p:val>
+                                            <p:strVal val="1+#ppt_h/2"/>
+                                          </p:val>
+                                        </p:tav>
+                                        <p:tav tm="100000">
+                                          <p:val>
+                                            <p:strVal val="#ppt_y"/>
+                                          </p:val>
+                                        </p:tav>
+                                      </p:tavLst>
+                                    </p:anim>
+                                  </p:childTnLst>
+                                </p:cTn>
+                              </p:par>
+                            </p:childTnLst>
+                          </p:cTn>
+                        </p:par>
+                      </p:childTnLst>
+                    </p:cTn>
+                  </p:par>
+                  <p:par>
+                    <p:cTn id="69" fill="hold">
+                      <p:stCondLst>
+                        <p:cond delay="indefinite"/>
+                      </p:stCondLst>
+                      <p:childTnLst>
+                        <p:par>
+                          <p:cTn id="70" fill="hold">
+                            <p:stCondLst>
+                              <p:cond delay="0"/>
+                            </p:stCondLst>
+                            <p:childTnLst>
+                              <p:par>
+                                <p:cTn id="71" presetID="2" presetClass="entr" presetSubtype="4" fill="hold" grpId="0" nodeType="clickEffect">
+                                  <p:stCondLst>
+                                    <p:cond delay="0"/>
+                                  </p:stCondLst>
+                                  <p:childTnLst>
+                                    <p:set>
+                                      <p:cBhvr>
+                                        <p:cTn id="72" dur="1" fill="hold">
+                                          <p:stCondLst>
+                                            <p:cond delay="0"/>
+                                          </p:stCondLst>
+                                        </p:cTn>
+                                        <p:tgtEl>
+                                          <p:spTgt spid="173">
+                                            <p:txEl>
+                                              <p:pRg st="0" end="0"/>
+                                            </p:txEl>
+                                          </p:spTgt>
+                                        </p:tgtEl>
+                                        <p:attrNameLst>
+                                          <p:attrName>style.visibility</p:attrName>
+                                        </p:attrNameLst>
+                                      </p:cBhvr>
+                                      <p:to>
+                                        <p:strVal val="visible"/>
+                                      </p:to>
+                                    </p:set>
+                                    <p:anim calcmode="lin" valueType="num">
+                                      <p:cBhvr additive="base">
+                                        <p:cTn id="73" dur="500" fill="hold"/>
+                                        <p:tgtEl>
+                                          <p:spTgt spid="173">
+                                            <p:txEl>
+                                              <p:pRg st="0" end="0"/>
+                                            </p:txEl>
+                                          </p:spTgt>
+                                        </p:tgtEl>
+                                        <p:attrNameLst>
+                                          <p:attrName>ppt_x</p:attrName>
+                                        </p:attrNameLst>
+                                      </p:cBhvr>
+                                      <p:tavLst>
+                                        <p:tav tm="0">
+                                          <p:val>
+                                            <p:strVal val="#ppt_x"/>
+                                          </p:val>
+                                        </p:tav>
+                                        <p:tav tm="100000">
+                                          <p:val>
+                                            <p:strVal val="#ppt_x"/>
+                                          </p:val>
+                                        </p:tav>
+                                      </p:tavLst>
+                                    </p:anim>
+                                    <p:anim calcmode="lin" valueType="num">
+                                      <p:cBhvr additive="base">
+                                        <p:cTn id="74" dur="500" fill="hold"/>
+                                        <p:tgtEl>
+                                          <p:spTgt spid="173">
+                                            <p:txEl>
+                                              <p:pRg st="0" end="0"/>
+                                            </p:txEl>
+                                          </p:spTgt>
+                                        </p:tgtEl>
+                                        <p:attrNameLst>
+                                          <p:attrName>ppt_y</p:attrName>
+                                        </p:attrNameLst>
+                                      </p:cBhvr>
+                                      <p:tavLst>
+                                        <p:tav tm="0">
+                                          <p:val>
+                                            <p:strVal val="1+#ppt_h/2"/>
+                                          </p:val>
+                                        </p:tav>
+                                        <p:tav tm="100000">
+                                          <p:val>
+                                            <p:strVal val="#ppt_y"/>
+                                          </p:val>
+                                        </p:tav>
+                                      </p:tavLst>
+                                    </p:anim>
+                                  </p:childTnLst>
+                                </p:cTn>
+                              </p:par>
+                            </p:childTnLst>
+                          </p:cTn>
+                        </p:par>
+                      </p:childTnLst>
+                    </p:cTn>
+                  </p:par>
+                  <p:par>
+                    <p:cTn id="75" fill="hold">
+                      <p:stCondLst>
+                        <p:cond delay="indefinite"/>
+                      </p:stCondLst>
+                      <p:childTnLst>
+                        <p:par>
+                          <p:cTn id="76" fill="hold">
+                            <p:stCondLst>
+                              <p:cond delay="0"/>
+                            </p:stCondLst>
+                            <p:childTnLst>
+                              <p:par>
+                                <p:cTn id="77" presetID="2" presetClass="entr" presetSubtype="4" fill="hold" nodeType="clickEffect">
+                                  <p:stCondLst>
+                                    <p:cond delay="0"/>
+                                  </p:stCondLst>
+                                  <p:childTnLst>
+                                    <p:set>
+                                      <p:cBhvr>
+                                        <p:cTn id="78" dur="1" fill="hold">
+                                          <p:stCondLst>
+                                            <p:cond delay="0"/>
+                                          </p:stCondLst>
+                                        </p:cTn>
+                                        <p:tgtEl>
+                                          <p:spTgt spid="16"/>
+                                        </p:tgtEl>
+                                        <p:attrNameLst>
+                                          <p:attrName>style.visibility</p:attrName>
+                                        </p:attrNameLst>
+                                      </p:cBhvr>
+                                      <p:to>
+                                        <p:strVal val="visible"/>
+                                      </p:to>
+                                    </p:set>
+                                    <p:anim calcmode="lin" valueType="num">
+                                      <p:cBhvr additive="base">
+                                        <p:cTn id="79" dur="500" fill="hold"/>
+                                        <p:tgtEl>
+                                          <p:spTgt spid="16"/>
+                                        </p:tgtEl>
+                                        <p:attrNameLst>
+                                          <p:attrName>ppt_x</p:attrName>
+                                        </p:attrNameLst>
+                                      </p:cBhvr>
+                                      <p:tavLst>
+                                        <p:tav tm="0">
+                                          <p:val>
+                                            <p:strVal val="#ppt_x"/>
+                                          </p:val>
+                                        </p:tav>
+                                        <p:tav tm="100000">
+                                          <p:val>
+                                            <p:strVal val="#ppt_x"/>
+                                          </p:val>
+                                        </p:tav>
+                                      </p:tavLst>
+                                    </p:anim>
+                                    <p:anim calcmode="lin" valueType="num">
+                                      <p:cBhvr additive="base">
+                                        <p:cTn id="80" dur="500" fill="hold"/>
+                                        <p:tgtEl>
+                                          <p:spTgt spid="16"/>
+                                        </p:tgtEl>
+                                        <p:attrNameLst>
+                                          <p:attrName>ppt_y</p:attrName>
+                                        </p:attrNameLst>
+                                      </p:cBhvr>
+                                      <p:tavLst>
+                                        <p:tav tm="0">
+                                          <p:val>
+                                            <p:strVal val="1+#ppt_h/2"/>
+                                          </p:val>
+                                        </p:tav>
+                                        <p:tav tm="100000">
+                                          <p:val>
+                                            <p:strVal val="#ppt_y"/>
+                                          </p:val>
+                                        </p:tav>
+                                      </p:tavLst>
+                                    </p:anim>
+                                  </p:childTnLst>
+                                </p:cTn>
+                              </p:par>
+                            </p:childTnLst>
+                          </p:cTn>
+                        </p:par>
+                      </p:childTnLst>
+                    </p:cTn>
+                  </p:par>
+                </p:childTnLst>
+              </p:cTn>
+              <p:prevCondLst>
+                <p:cond evt="onPrev" delay="0">
+                  <p:tgtEl>
+                    <p:sldTgt/>
+                  </p:tgtEl>
+                </p:cond>
+              </p:prevCondLst>
+              <p:nextCondLst>
+                <p:cond evt="onNext" delay="0">
+                  <p:tgtEl>
+                    <p:sldTgt/>
+                  </p:tgtEl>
+                </p:cond>
+              </p:nextCondLst>
+            </p:seq>
+          </p:childTnLst>
+        </p:cTn>
       </p:par>
     </p:tnLst>
+    <p:bldLst>
+      <p:bldP spid="169" grpId="0" build="p"/>
+      <p:bldP spid="170" grpId="0" build="p"/>
+      <p:bldP spid="171" grpId="0" build="p"/>
+      <p:bldP spid="173" grpId="0" build="p"/>
+    </p:bldLst>
   </p:timing>
 </p:sld>
 </file>
@@ -12823,7 +14421,7 @@
               <a:rPr lang="hu-HU" dirty="0" smtClean="0">
                 <a:latin typeface="Berlin Sans FB" panose="020E0602020502020306" pitchFamily="34" charset="0"/>
               </a:rPr>
-              <a:t>CSS</a:t>
+              <a:t>MySQL</a:t>
             </a:r>
             <a:endParaRPr lang="hu-HU" dirty="0">
               <a:latin typeface="Berlin Sans FB" panose="020E0602020502020306" pitchFamily="34" charset="0"/>
@@ -12926,6 +14524,276 @@
           </a:p>
         </p:txBody>
       </p:sp>
+      <p:pic>
+        <p:nvPicPr>
+          <p:cNvPr id="19" name="Kép 18"/>
+          <p:cNvPicPr>
+            <a:picLocks noChangeAspect="1"/>
+          </p:cNvPicPr>
+          <p:nvPr/>
+        </p:nvPicPr>
+        <p:blipFill>
+          <a:blip r:embed="rId2">
+            <a:extLst>
+              <a:ext uri="{28A0092B-C50C-407E-A947-70E740481C1C}">
+                <a14:useLocalDpi xmlns:a14="http://schemas.microsoft.com/office/drawing/2010/main" val="0"/>
+              </a:ext>
+            </a:extLst>
+          </a:blip>
+          <a:stretch>
+            <a:fillRect/>
+          </a:stretch>
+        </p:blipFill>
+        <p:spPr>
+          <a:xfrm>
+            <a:off x="1536361" y="2839524"/>
+            <a:ext cx="559277" cy="303347"/>
+          </a:xfrm>
+          <a:prstGeom prst="roundRect">
+            <a:avLst>
+              <a:gd name="adj" fmla="val 16667"/>
+            </a:avLst>
+          </a:prstGeom>
+          <a:ln>
+            <a:noFill/>
+          </a:ln>
+          <a:effectLst>
+            <a:outerShdw blurRad="76200" dist="38100" dir="7800000" algn="tl" rotWithShape="0">
+              <a:srgbClr val="000000">
+                <a:alpha val="40000"/>
+              </a:srgbClr>
+            </a:outerShdw>
+          </a:effectLst>
+          <a:scene3d>
+            <a:camera prst="orthographicFront"/>
+            <a:lightRig rig="contrasting" dir="t">
+              <a:rot lat="0" lon="0" rev="4200000"/>
+            </a:lightRig>
+          </a:scene3d>
+          <a:sp3d prstMaterial="plastic">
+            <a:bevelT w="381000" h="114300" prst="relaxedInset"/>
+            <a:contourClr>
+              <a:srgbClr val="969696"/>
+            </a:contourClr>
+          </a:sp3d>
+        </p:spPr>
+      </p:pic>
+      <p:pic>
+        <p:nvPicPr>
+          <p:cNvPr id="20" name="Kép 19"/>
+          <p:cNvPicPr>
+            <a:picLocks noChangeAspect="1"/>
+          </p:cNvPicPr>
+          <p:nvPr/>
+        </p:nvPicPr>
+        <p:blipFill>
+          <a:blip r:embed="rId3">
+            <a:extLst>
+              <a:ext uri="{28A0092B-C50C-407E-A947-70E740481C1C}">
+                <a14:useLocalDpi xmlns:a14="http://schemas.microsoft.com/office/drawing/2010/main" val="0"/>
+              </a:ext>
+            </a:extLst>
+          </a:blip>
+          <a:stretch>
+            <a:fillRect/>
+          </a:stretch>
+        </p:blipFill>
+        <p:spPr>
+          <a:xfrm>
+            <a:off x="1589426" y="1766521"/>
+            <a:ext cx="387467" cy="440421"/>
+          </a:xfrm>
+          <a:prstGeom prst="roundRect">
+            <a:avLst>
+              <a:gd name="adj" fmla="val 16667"/>
+            </a:avLst>
+          </a:prstGeom>
+          <a:ln>
+            <a:noFill/>
+          </a:ln>
+          <a:effectLst>
+            <a:outerShdw blurRad="76200" dist="38100" dir="7800000" algn="tl" rotWithShape="0">
+              <a:srgbClr val="000000">
+                <a:alpha val="40000"/>
+              </a:srgbClr>
+            </a:outerShdw>
+          </a:effectLst>
+          <a:scene3d>
+            <a:camera prst="orthographicFront"/>
+            <a:lightRig rig="contrasting" dir="t">
+              <a:rot lat="0" lon="0" rev="4200000"/>
+            </a:lightRig>
+          </a:scene3d>
+          <a:sp3d prstMaterial="plastic">
+            <a:bevelT w="381000" h="114300" prst="relaxedInset"/>
+            <a:contourClr>
+              <a:srgbClr val="969696"/>
+            </a:contourClr>
+          </a:sp3d>
+        </p:spPr>
+      </p:pic>
+      <p:pic>
+        <p:nvPicPr>
+          <p:cNvPr id="22" name="Kép 21"/>
+          <p:cNvPicPr>
+            <a:picLocks noChangeAspect="1"/>
+          </p:cNvPicPr>
+          <p:nvPr/>
+        </p:nvPicPr>
+        <p:blipFill>
+          <a:blip r:embed="rId4">
+            <a:extLst>
+              <a:ext uri="{28A0092B-C50C-407E-A947-70E740481C1C}">
+                <a14:useLocalDpi xmlns:a14="http://schemas.microsoft.com/office/drawing/2010/main" val="0"/>
+              </a:ext>
+            </a:extLst>
+          </a:blip>
+          <a:stretch>
+            <a:fillRect/>
+          </a:stretch>
+        </p:blipFill>
+        <p:spPr>
+          <a:xfrm>
+            <a:off x="1785248" y="3888253"/>
+            <a:ext cx="465797" cy="465797"/>
+          </a:xfrm>
+          <a:prstGeom prst="roundRect">
+            <a:avLst>
+              <a:gd name="adj" fmla="val 16667"/>
+            </a:avLst>
+          </a:prstGeom>
+          <a:ln>
+            <a:noFill/>
+          </a:ln>
+          <a:effectLst>
+            <a:outerShdw blurRad="76200" dist="38100" dir="7800000" algn="tl" rotWithShape="0">
+              <a:srgbClr val="000000">
+                <a:alpha val="40000"/>
+              </a:srgbClr>
+            </a:outerShdw>
+          </a:effectLst>
+          <a:scene3d>
+            <a:camera prst="orthographicFront"/>
+            <a:lightRig rig="contrasting" dir="t">
+              <a:rot lat="0" lon="0" rev="4200000"/>
+            </a:lightRig>
+          </a:scene3d>
+          <a:sp3d prstMaterial="plastic">
+            <a:bevelT w="381000" h="114300" prst="relaxedInset"/>
+            <a:contourClr>
+              <a:srgbClr val="969696"/>
+            </a:contourClr>
+          </a:sp3d>
+        </p:spPr>
+      </p:pic>
+      <p:pic>
+        <p:nvPicPr>
+          <p:cNvPr id="23" name="Kép 22"/>
+          <p:cNvPicPr>
+            <a:picLocks noChangeAspect="1"/>
+          </p:cNvPicPr>
+          <p:nvPr/>
+        </p:nvPicPr>
+        <p:blipFill>
+          <a:blip r:embed="rId5">
+            <a:extLst>
+              <a:ext uri="{28A0092B-C50C-407E-A947-70E740481C1C}">
+                <a14:useLocalDpi xmlns:a14="http://schemas.microsoft.com/office/drawing/2010/main" val="0"/>
+              </a:ext>
+            </a:extLst>
+          </a:blip>
+          <a:stretch>
+            <a:fillRect/>
+          </a:stretch>
+        </p:blipFill>
+        <p:spPr>
+          <a:xfrm>
+            <a:off x="5206259" y="2839524"/>
+            <a:ext cx="668330" cy="374265"/>
+          </a:xfrm>
+          <a:prstGeom prst="roundRect">
+            <a:avLst>
+              <a:gd name="adj" fmla="val 16667"/>
+            </a:avLst>
+          </a:prstGeom>
+          <a:ln>
+            <a:noFill/>
+          </a:ln>
+          <a:effectLst>
+            <a:outerShdw blurRad="76200" dist="38100" dir="7800000" algn="tl" rotWithShape="0">
+              <a:srgbClr val="000000">
+                <a:alpha val="40000"/>
+              </a:srgbClr>
+            </a:outerShdw>
+          </a:effectLst>
+          <a:scene3d>
+            <a:camera prst="orthographicFront"/>
+            <a:lightRig rig="contrasting" dir="t">
+              <a:rot lat="0" lon="0" rev="4200000"/>
+            </a:lightRig>
+          </a:scene3d>
+          <a:sp3d prstMaterial="plastic">
+            <a:bevelT w="381000" h="114300" prst="relaxedInset"/>
+            <a:contourClr>
+              <a:srgbClr val="969696"/>
+            </a:contourClr>
+          </a:sp3d>
+        </p:spPr>
+      </p:pic>
+      <p:pic>
+        <p:nvPicPr>
+          <p:cNvPr id="25" name="Kép 24"/>
+          <p:cNvPicPr>
+            <a:picLocks noChangeAspect="1"/>
+          </p:cNvPicPr>
+          <p:nvPr/>
+        </p:nvPicPr>
+        <p:blipFill>
+          <a:blip r:embed="rId6">
+            <a:extLst>
+              <a:ext uri="{28A0092B-C50C-407E-A947-70E740481C1C}">
+                <a14:useLocalDpi xmlns:a14="http://schemas.microsoft.com/office/drawing/2010/main" val="0"/>
+              </a:ext>
+            </a:extLst>
+          </a:blip>
+          <a:stretch>
+            <a:fillRect/>
+          </a:stretch>
+        </p:blipFill>
+        <p:spPr>
+          <a:xfrm>
+            <a:off x="5142870" y="1766521"/>
+            <a:ext cx="397554" cy="397554"/>
+          </a:xfrm>
+          <a:prstGeom prst="roundRect">
+            <a:avLst>
+              <a:gd name="adj" fmla="val 16667"/>
+            </a:avLst>
+          </a:prstGeom>
+          <a:ln>
+            <a:noFill/>
+          </a:ln>
+          <a:effectLst>
+            <a:outerShdw blurRad="76200" dist="38100" dir="7800000" algn="tl" rotWithShape="0">
+              <a:srgbClr val="000000">
+                <a:alpha val="40000"/>
+              </a:srgbClr>
+            </a:outerShdw>
+          </a:effectLst>
+          <a:scene3d>
+            <a:camera prst="orthographicFront"/>
+            <a:lightRig rig="contrasting" dir="t">
+              <a:rot lat="0" lon="0" rev="4200000"/>
+            </a:lightRig>
+          </a:scene3d>
+          <a:sp3d prstMaterial="plastic">
+            <a:bevelT w="381000" h="114300" prst="relaxedInset"/>
+            <a:contourClr>
+              <a:srgbClr val="969696"/>
+            </a:contourClr>
+          </a:sp3d>
+        </p:spPr>
+      </p:pic>
     </p:spTree>
     <p:extLst>
       <p:ext uri="{BB962C8B-B14F-4D97-AF65-F5344CB8AC3E}">
@@ -12939,9 +14807,1088 @@
   <p:timing>
     <p:tnLst>
       <p:par>
-        <p:cTn id="1" dur="indefinite" restart="never" nodeType="tmRoot"/>
+        <p:cTn id="1" dur="indefinite" restart="never" nodeType="tmRoot">
+          <p:childTnLst>
+            <p:seq concurrent="1" nextAc="seek">
+              <p:cTn id="2" dur="indefinite" nodeType="mainSeq">
+                <p:childTnLst>
+                  <p:par>
+                    <p:cTn id="3" fill="hold">
+                      <p:stCondLst>
+                        <p:cond delay="indefinite"/>
+                      </p:stCondLst>
+                      <p:childTnLst>
+                        <p:par>
+                          <p:cTn id="4" fill="hold">
+                            <p:stCondLst>
+                              <p:cond delay="0"/>
+                            </p:stCondLst>
+                            <p:childTnLst>
+                              <p:par>
+                                <p:cTn id="5" presetID="2" presetClass="entr" presetSubtype="4" fill="hold" grpId="0" nodeType="clickEffect">
+                                  <p:stCondLst>
+                                    <p:cond delay="0"/>
+                                  </p:stCondLst>
+                                  <p:childTnLst>
+                                    <p:set>
+                                      <p:cBhvr>
+                                        <p:cTn id="6" dur="1" fill="hold">
+                                          <p:stCondLst>
+                                            <p:cond delay="0"/>
+                                          </p:stCondLst>
+                                        </p:cTn>
+                                        <p:tgtEl>
+                                          <p:spTgt spid="2"/>
+                                        </p:tgtEl>
+                                        <p:attrNameLst>
+                                          <p:attrName>style.visibility</p:attrName>
+                                        </p:attrNameLst>
+                                      </p:cBhvr>
+                                      <p:to>
+                                        <p:strVal val="visible"/>
+                                      </p:to>
+                                    </p:set>
+                                    <p:anim calcmode="lin" valueType="num">
+                                      <p:cBhvr additive="base">
+                                        <p:cTn id="7" dur="500" fill="hold"/>
+                                        <p:tgtEl>
+                                          <p:spTgt spid="2"/>
+                                        </p:tgtEl>
+                                        <p:attrNameLst>
+                                          <p:attrName>ppt_x</p:attrName>
+                                        </p:attrNameLst>
+                                      </p:cBhvr>
+                                      <p:tavLst>
+                                        <p:tav tm="0">
+                                          <p:val>
+                                            <p:strVal val="#ppt_x"/>
+                                          </p:val>
+                                        </p:tav>
+                                        <p:tav tm="100000">
+                                          <p:val>
+                                            <p:strVal val="#ppt_x"/>
+                                          </p:val>
+                                        </p:tav>
+                                      </p:tavLst>
+                                    </p:anim>
+                                    <p:anim calcmode="lin" valueType="num">
+                                      <p:cBhvr additive="base">
+                                        <p:cTn id="8" dur="500" fill="hold"/>
+                                        <p:tgtEl>
+                                          <p:spTgt spid="2"/>
+                                        </p:tgtEl>
+                                        <p:attrNameLst>
+                                          <p:attrName>ppt_y</p:attrName>
+                                        </p:attrNameLst>
+                                      </p:cBhvr>
+                                      <p:tavLst>
+                                        <p:tav tm="0">
+                                          <p:val>
+                                            <p:strVal val="1+#ppt_h/2"/>
+                                          </p:val>
+                                        </p:tav>
+                                        <p:tav tm="100000">
+                                          <p:val>
+                                            <p:strVal val="#ppt_y"/>
+                                          </p:val>
+                                        </p:tav>
+                                      </p:tavLst>
+                                    </p:anim>
+                                  </p:childTnLst>
+                                </p:cTn>
+                              </p:par>
+                            </p:childTnLst>
+                          </p:cTn>
+                        </p:par>
+                      </p:childTnLst>
+                    </p:cTn>
+                  </p:par>
+                  <p:par>
+                    <p:cTn id="9" fill="hold">
+                      <p:stCondLst>
+                        <p:cond delay="indefinite"/>
+                      </p:stCondLst>
+                      <p:childTnLst>
+                        <p:par>
+                          <p:cTn id="10" fill="hold">
+                            <p:stCondLst>
+                              <p:cond delay="0"/>
+                            </p:stCondLst>
+                            <p:childTnLst>
+                              <p:par>
+                                <p:cTn id="11" presetID="2" presetClass="entr" presetSubtype="4" fill="hold" grpId="0" nodeType="clickEffect">
+                                  <p:stCondLst>
+                                    <p:cond delay="0"/>
+                                  </p:stCondLst>
+                                  <p:childTnLst>
+                                    <p:set>
+                                      <p:cBhvr>
+                                        <p:cTn id="12" dur="1" fill="hold">
+                                          <p:stCondLst>
+                                            <p:cond delay="0"/>
+                                          </p:stCondLst>
+                                        </p:cTn>
+                                        <p:tgtEl>
+                                          <p:spTgt spid="9">
+                                            <p:txEl>
+                                              <p:pRg st="0" end="0"/>
+                                            </p:txEl>
+                                          </p:spTgt>
+                                        </p:tgtEl>
+                                        <p:attrNameLst>
+                                          <p:attrName>style.visibility</p:attrName>
+                                        </p:attrNameLst>
+                                      </p:cBhvr>
+                                      <p:to>
+                                        <p:strVal val="visible"/>
+                                      </p:to>
+                                    </p:set>
+                                    <p:anim calcmode="lin" valueType="num">
+                                      <p:cBhvr additive="base">
+                                        <p:cTn id="13" dur="500" fill="hold"/>
+                                        <p:tgtEl>
+                                          <p:spTgt spid="9">
+                                            <p:txEl>
+                                              <p:pRg st="0" end="0"/>
+                                            </p:txEl>
+                                          </p:spTgt>
+                                        </p:tgtEl>
+                                        <p:attrNameLst>
+                                          <p:attrName>ppt_x</p:attrName>
+                                        </p:attrNameLst>
+                                      </p:cBhvr>
+                                      <p:tavLst>
+                                        <p:tav tm="0">
+                                          <p:val>
+                                            <p:strVal val="#ppt_x"/>
+                                          </p:val>
+                                        </p:tav>
+                                        <p:tav tm="100000">
+                                          <p:val>
+                                            <p:strVal val="#ppt_x"/>
+                                          </p:val>
+                                        </p:tav>
+                                      </p:tavLst>
+                                    </p:anim>
+                                    <p:anim calcmode="lin" valueType="num">
+                                      <p:cBhvr additive="base">
+                                        <p:cTn id="14" dur="500" fill="hold"/>
+                                        <p:tgtEl>
+                                          <p:spTgt spid="9">
+                                            <p:txEl>
+                                              <p:pRg st="0" end="0"/>
+                                            </p:txEl>
+                                          </p:spTgt>
+                                        </p:tgtEl>
+                                        <p:attrNameLst>
+                                          <p:attrName>ppt_y</p:attrName>
+                                        </p:attrNameLst>
+                                      </p:cBhvr>
+                                      <p:tavLst>
+                                        <p:tav tm="0">
+                                          <p:val>
+                                            <p:strVal val="1+#ppt_h/2"/>
+                                          </p:val>
+                                        </p:tav>
+                                        <p:tav tm="100000">
+                                          <p:val>
+                                            <p:strVal val="#ppt_y"/>
+                                          </p:val>
+                                        </p:tav>
+                                      </p:tavLst>
+                                    </p:anim>
+                                  </p:childTnLst>
+                                </p:cTn>
+                              </p:par>
+                            </p:childTnLst>
+                          </p:cTn>
+                        </p:par>
+                      </p:childTnLst>
+                    </p:cTn>
+                  </p:par>
+                  <p:par>
+                    <p:cTn id="15" fill="hold">
+                      <p:stCondLst>
+                        <p:cond delay="indefinite"/>
+                      </p:stCondLst>
+                      <p:childTnLst>
+                        <p:par>
+                          <p:cTn id="16" fill="hold">
+                            <p:stCondLst>
+                              <p:cond delay="0"/>
+                            </p:stCondLst>
+                            <p:childTnLst>
+                              <p:par>
+                                <p:cTn id="17" presetID="2" presetClass="entr" presetSubtype="4" fill="hold" nodeType="clickEffect">
+                                  <p:stCondLst>
+                                    <p:cond delay="0"/>
+                                  </p:stCondLst>
+                                  <p:childTnLst>
+                                    <p:set>
+                                      <p:cBhvr>
+                                        <p:cTn id="18" dur="1" fill="hold">
+                                          <p:stCondLst>
+                                            <p:cond delay="0"/>
+                                          </p:stCondLst>
+                                        </p:cTn>
+                                        <p:tgtEl>
+                                          <p:spTgt spid="20"/>
+                                        </p:tgtEl>
+                                        <p:attrNameLst>
+                                          <p:attrName>style.visibility</p:attrName>
+                                        </p:attrNameLst>
+                                      </p:cBhvr>
+                                      <p:to>
+                                        <p:strVal val="visible"/>
+                                      </p:to>
+                                    </p:set>
+                                    <p:anim calcmode="lin" valueType="num">
+                                      <p:cBhvr additive="base">
+                                        <p:cTn id="19" dur="500" fill="hold"/>
+                                        <p:tgtEl>
+                                          <p:spTgt spid="20"/>
+                                        </p:tgtEl>
+                                        <p:attrNameLst>
+                                          <p:attrName>ppt_x</p:attrName>
+                                        </p:attrNameLst>
+                                      </p:cBhvr>
+                                      <p:tavLst>
+                                        <p:tav tm="0">
+                                          <p:val>
+                                            <p:strVal val="#ppt_x"/>
+                                          </p:val>
+                                        </p:tav>
+                                        <p:tav tm="100000">
+                                          <p:val>
+                                            <p:strVal val="#ppt_x"/>
+                                          </p:val>
+                                        </p:tav>
+                                      </p:tavLst>
+                                    </p:anim>
+                                    <p:anim calcmode="lin" valueType="num">
+                                      <p:cBhvr additive="base">
+                                        <p:cTn id="20" dur="500" fill="hold"/>
+                                        <p:tgtEl>
+                                          <p:spTgt spid="20"/>
+                                        </p:tgtEl>
+                                        <p:attrNameLst>
+                                          <p:attrName>ppt_y</p:attrName>
+                                        </p:attrNameLst>
+                                      </p:cBhvr>
+                                      <p:tavLst>
+                                        <p:tav tm="0">
+                                          <p:val>
+                                            <p:strVal val="1+#ppt_h/2"/>
+                                          </p:val>
+                                        </p:tav>
+                                        <p:tav tm="100000">
+                                          <p:val>
+                                            <p:strVal val="#ppt_y"/>
+                                          </p:val>
+                                        </p:tav>
+                                      </p:tavLst>
+                                    </p:anim>
+                                  </p:childTnLst>
+                                </p:cTn>
+                              </p:par>
+                            </p:childTnLst>
+                          </p:cTn>
+                        </p:par>
+                      </p:childTnLst>
+                    </p:cTn>
+                  </p:par>
+                  <p:par>
+                    <p:cTn id="21" fill="hold">
+                      <p:stCondLst>
+                        <p:cond delay="indefinite"/>
+                      </p:stCondLst>
+                      <p:childTnLst>
+                        <p:par>
+                          <p:cTn id="22" fill="hold">
+                            <p:stCondLst>
+                              <p:cond delay="0"/>
+                            </p:stCondLst>
+                            <p:childTnLst>
+                              <p:par>
+                                <p:cTn id="23" presetID="2" presetClass="entr" presetSubtype="4" fill="hold" grpId="0" nodeType="clickEffect">
+                                  <p:stCondLst>
+                                    <p:cond delay="0"/>
+                                  </p:stCondLst>
+                                  <p:childTnLst>
+                                    <p:set>
+                                      <p:cBhvr>
+                                        <p:cTn id="24" dur="1" fill="hold">
+                                          <p:stCondLst>
+                                            <p:cond delay="0"/>
+                                          </p:stCondLst>
+                                        </p:cTn>
+                                        <p:tgtEl>
+                                          <p:spTgt spid="10">
+                                            <p:txEl>
+                                              <p:pRg st="0" end="0"/>
+                                            </p:txEl>
+                                          </p:spTgt>
+                                        </p:tgtEl>
+                                        <p:attrNameLst>
+                                          <p:attrName>style.visibility</p:attrName>
+                                        </p:attrNameLst>
+                                      </p:cBhvr>
+                                      <p:to>
+                                        <p:strVal val="visible"/>
+                                      </p:to>
+                                    </p:set>
+                                    <p:anim calcmode="lin" valueType="num">
+                                      <p:cBhvr additive="base">
+                                        <p:cTn id="25" dur="500" fill="hold"/>
+                                        <p:tgtEl>
+                                          <p:spTgt spid="10">
+                                            <p:txEl>
+                                              <p:pRg st="0" end="0"/>
+                                            </p:txEl>
+                                          </p:spTgt>
+                                        </p:tgtEl>
+                                        <p:attrNameLst>
+                                          <p:attrName>ppt_x</p:attrName>
+                                        </p:attrNameLst>
+                                      </p:cBhvr>
+                                      <p:tavLst>
+                                        <p:tav tm="0">
+                                          <p:val>
+                                            <p:strVal val="#ppt_x"/>
+                                          </p:val>
+                                        </p:tav>
+                                        <p:tav tm="100000">
+                                          <p:val>
+                                            <p:strVal val="#ppt_x"/>
+                                          </p:val>
+                                        </p:tav>
+                                      </p:tavLst>
+                                    </p:anim>
+                                    <p:anim calcmode="lin" valueType="num">
+                                      <p:cBhvr additive="base">
+                                        <p:cTn id="26" dur="500" fill="hold"/>
+                                        <p:tgtEl>
+                                          <p:spTgt spid="10">
+                                            <p:txEl>
+                                              <p:pRg st="0" end="0"/>
+                                            </p:txEl>
+                                          </p:spTgt>
+                                        </p:tgtEl>
+                                        <p:attrNameLst>
+                                          <p:attrName>ppt_y</p:attrName>
+                                        </p:attrNameLst>
+                                      </p:cBhvr>
+                                      <p:tavLst>
+                                        <p:tav tm="0">
+                                          <p:val>
+                                            <p:strVal val="1+#ppt_h/2"/>
+                                          </p:val>
+                                        </p:tav>
+                                        <p:tav tm="100000">
+                                          <p:val>
+                                            <p:strVal val="#ppt_y"/>
+                                          </p:val>
+                                        </p:tav>
+                                      </p:tavLst>
+                                    </p:anim>
+                                  </p:childTnLst>
+                                </p:cTn>
+                              </p:par>
+                            </p:childTnLst>
+                          </p:cTn>
+                        </p:par>
+                      </p:childTnLst>
+                    </p:cTn>
+                  </p:par>
+                  <p:par>
+                    <p:cTn id="27" fill="hold">
+                      <p:stCondLst>
+                        <p:cond delay="indefinite"/>
+                      </p:stCondLst>
+                      <p:childTnLst>
+                        <p:par>
+                          <p:cTn id="28" fill="hold">
+                            <p:stCondLst>
+                              <p:cond delay="0"/>
+                            </p:stCondLst>
+                            <p:childTnLst>
+                              <p:par>
+                                <p:cTn id="29" presetID="2" presetClass="entr" presetSubtype="4" fill="hold" nodeType="clickEffect">
+                                  <p:stCondLst>
+                                    <p:cond delay="0"/>
+                                  </p:stCondLst>
+                                  <p:childTnLst>
+                                    <p:set>
+                                      <p:cBhvr>
+                                        <p:cTn id="30" dur="1" fill="hold">
+                                          <p:stCondLst>
+                                            <p:cond delay="0"/>
+                                          </p:stCondLst>
+                                        </p:cTn>
+                                        <p:tgtEl>
+                                          <p:spTgt spid="19"/>
+                                        </p:tgtEl>
+                                        <p:attrNameLst>
+                                          <p:attrName>style.visibility</p:attrName>
+                                        </p:attrNameLst>
+                                      </p:cBhvr>
+                                      <p:to>
+                                        <p:strVal val="visible"/>
+                                      </p:to>
+                                    </p:set>
+                                    <p:anim calcmode="lin" valueType="num">
+                                      <p:cBhvr additive="base">
+                                        <p:cTn id="31" dur="500" fill="hold"/>
+                                        <p:tgtEl>
+                                          <p:spTgt spid="19"/>
+                                        </p:tgtEl>
+                                        <p:attrNameLst>
+                                          <p:attrName>ppt_x</p:attrName>
+                                        </p:attrNameLst>
+                                      </p:cBhvr>
+                                      <p:tavLst>
+                                        <p:tav tm="0">
+                                          <p:val>
+                                            <p:strVal val="#ppt_x"/>
+                                          </p:val>
+                                        </p:tav>
+                                        <p:tav tm="100000">
+                                          <p:val>
+                                            <p:strVal val="#ppt_x"/>
+                                          </p:val>
+                                        </p:tav>
+                                      </p:tavLst>
+                                    </p:anim>
+                                    <p:anim calcmode="lin" valueType="num">
+                                      <p:cBhvr additive="base">
+                                        <p:cTn id="32" dur="500" fill="hold"/>
+                                        <p:tgtEl>
+                                          <p:spTgt spid="19"/>
+                                        </p:tgtEl>
+                                        <p:attrNameLst>
+                                          <p:attrName>ppt_y</p:attrName>
+                                        </p:attrNameLst>
+                                      </p:cBhvr>
+                                      <p:tavLst>
+                                        <p:tav tm="0">
+                                          <p:val>
+                                            <p:strVal val="1+#ppt_h/2"/>
+                                          </p:val>
+                                        </p:tav>
+                                        <p:tav tm="100000">
+                                          <p:val>
+                                            <p:strVal val="#ppt_y"/>
+                                          </p:val>
+                                        </p:tav>
+                                      </p:tavLst>
+                                    </p:anim>
+                                  </p:childTnLst>
+                                </p:cTn>
+                              </p:par>
+                            </p:childTnLst>
+                          </p:cTn>
+                        </p:par>
+                      </p:childTnLst>
+                    </p:cTn>
+                  </p:par>
+                  <p:par>
+                    <p:cTn id="33" fill="hold">
+                      <p:stCondLst>
+                        <p:cond delay="indefinite"/>
+                      </p:stCondLst>
+                      <p:childTnLst>
+                        <p:par>
+                          <p:cTn id="34" fill="hold">
+                            <p:stCondLst>
+                              <p:cond delay="0"/>
+                            </p:stCondLst>
+                            <p:childTnLst>
+                              <p:par>
+                                <p:cTn id="35" presetID="2" presetClass="entr" presetSubtype="4" fill="hold" grpId="0" nodeType="clickEffect">
+                                  <p:stCondLst>
+                                    <p:cond delay="0"/>
+                                  </p:stCondLst>
+                                  <p:childTnLst>
+                                    <p:set>
+                                      <p:cBhvr>
+                                        <p:cTn id="36" dur="1" fill="hold">
+                                          <p:stCondLst>
+                                            <p:cond delay="0"/>
+                                          </p:stCondLst>
+                                        </p:cTn>
+                                        <p:tgtEl>
+                                          <p:spTgt spid="16"/>
+                                        </p:tgtEl>
+                                        <p:attrNameLst>
+                                          <p:attrName>style.visibility</p:attrName>
+                                        </p:attrNameLst>
+                                      </p:cBhvr>
+                                      <p:to>
+                                        <p:strVal val="visible"/>
+                                      </p:to>
+                                    </p:set>
+                                    <p:anim calcmode="lin" valueType="num">
+                                      <p:cBhvr additive="base">
+                                        <p:cTn id="37" dur="500" fill="hold"/>
+                                        <p:tgtEl>
+                                          <p:spTgt spid="16"/>
+                                        </p:tgtEl>
+                                        <p:attrNameLst>
+                                          <p:attrName>ppt_x</p:attrName>
+                                        </p:attrNameLst>
+                                      </p:cBhvr>
+                                      <p:tavLst>
+                                        <p:tav tm="0">
+                                          <p:val>
+                                            <p:strVal val="#ppt_x"/>
+                                          </p:val>
+                                        </p:tav>
+                                        <p:tav tm="100000">
+                                          <p:val>
+                                            <p:strVal val="#ppt_x"/>
+                                          </p:val>
+                                        </p:tav>
+                                      </p:tavLst>
+                                    </p:anim>
+                                    <p:anim calcmode="lin" valueType="num">
+                                      <p:cBhvr additive="base">
+                                        <p:cTn id="38" dur="500" fill="hold"/>
+                                        <p:tgtEl>
+                                          <p:spTgt spid="16"/>
+                                        </p:tgtEl>
+                                        <p:attrNameLst>
+                                          <p:attrName>ppt_y</p:attrName>
+                                        </p:attrNameLst>
+                                      </p:cBhvr>
+                                      <p:tavLst>
+                                        <p:tav tm="0">
+                                          <p:val>
+                                            <p:strVal val="1+#ppt_h/2"/>
+                                          </p:val>
+                                        </p:tav>
+                                        <p:tav tm="100000">
+                                          <p:val>
+                                            <p:strVal val="#ppt_y"/>
+                                          </p:val>
+                                        </p:tav>
+                                      </p:tavLst>
+                                    </p:anim>
+                                  </p:childTnLst>
+                                </p:cTn>
+                              </p:par>
+                            </p:childTnLst>
+                          </p:cTn>
+                        </p:par>
+                      </p:childTnLst>
+                    </p:cTn>
+                  </p:par>
+                  <p:par>
+                    <p:cTn id="39" fill="hold">
+                      <p:stCondLst>
+                        <p:cond delay="indefinite"/>
+                      </p:stCondLst>
+                      <p:childTnLst>
+                        <p:par>
+                          <p:cTn id="40" fill="hold">
+                            <p:stCondLst>
+                              <p:cond delay="0"/>
+                            </p:stCondLst>
+                            <p:childTnLst>
+                              <p:par>
+                                <p:cTn id="41" presetID="2" presetClass="entr" presetSubtype="4" fill="hold" nodeType="clickEffect">
+                                  <p:stCondLst>
+                                    <p:cond delay="0"/>
+                                  </p:stCondLst>
+                                  <p:childTnLst>
+                                    <p:set>
+                                      <p:cBhvr>
+                                        <p:cTn id="42" dur="1" fill="hold">
+                                          <p:stCondLst>
+                                            <p:cond delay="0"/>
+                                          </p:stCondLst>
+                                        </p:cTn>
+                                        <p:tgtEl>
+                                          <p:spTgt spid="22"/>
+                                        </p:tgtEl>
+                                        <p:attrNameLst>
+                                          <p:attrName>style.visibility</p:attrName>
+                                        </p:attrNameLst>
+                                      </p:cBhvr>
+                                      <p:to>
+                                        <p:strVal val="visible"/>
+                                      </p:to>
+                                    </p:set>
+                                    <p:anim calcmode="lin" valueType="num">
+                                      <p:cBhvr additive="base">
+                                        <p:cTn id="43" dur="500" fill="hold"/>
+                                        <p:tgtEl>
+                                          <p:spTgt spid="22"/>
+                                        </p:tgtEl>
+                                        <p:attrNameLst>
+                                          <p:attrName>ppt_x</p:attrName>
+                                        </p:attrNameLst>
+                                      </p:cBhvr>
+                                      <p:tavLst>
+                                        <p:tav tm="0">
+                                          <p:val>
+                                            <p:strVal val="#ppt_x"/>
+                                          </p:val>
+                                        </p:tav>
+                                        <p:tav tm="100000">
+                                          <p:val>
+                                            <p:strVal val="#ppt_x"/>
+                                          </p:val>
+                                        </p:tav>
+                                      </p:tavLst>
+                                    </p:anim>
+                                    <p:anim calcmode="lin" valueType="num">
+                                      <p:cBhvr additive="base">
+                                        <p:cTn id="44" dur="500" fill="hold"/>
+                                        <p:tgtEl>
+                                          <p:spTgt spid="22"/>
+                                        </p:tgtEl>
+                                        <p:attrNameLst>
+                                          <p:attrName>ppt_y</p:attrName>
+                                        </p:attrNameLst>
+                                      </p:cBhvr>
+                                      <p:tavLst>
+                                        <p:tav tm="0">
+                                          <p:val>
+                                            <p:strVal val="1+#ppt_h/2"/>
+                                          </p:val>
+                                        </p:tav>
+                                        <p:tav tm="100000">
+                                          <p:val>
+                                            <p:strVal val="#ppt_y"/>
+                                          </p:val>
+                                        </p:tav>
+                                      </p:tavLst>
+                                    </p:anim>
+                                  </p:childTnLst>
+                                </p:cTn>
+                              </p:par>
+                            </p:childTnLst>
+                          </p:cTn>
+                        </p:par>
+                      </p:childTnLst>
+                    </p:cTn>
+                  </p:par>
+                  <p:par>
+                    <p:cTn id="45" fill="hold">
+                      <p:stCondLst>
+                        <p:cond delay="indefinite"/>
+                      </p:stCondLst>
+                      <p:childTnLst>
+                        <p:par>
+                          <p:cTn id="46" fill="hold">
+                            <p:stCondLst>
+                              <p:cond delay="0"/>
+                            </p:stCondLst>
+                            <p:childTnLst>
+                              <p:par>
+                                <p:cTn id="47" presetID="2" presetClass="entr" presetSubtype="4" fill="hold" grpId="0" nodeType="clickEffect">
+                                  <p:stCondLst>
+                                    <p:cond delay="0"/>
+                                  </p:stCondLst>
+                                  <p:childTnLst>
+                                    <p:set>
+                                      <p:cBhvr>
+                                        <p:cTn id="48" dur="1" fill="hold">
+                                          <p:stCondLst>
+                                            <p:cond delay="0"/>
+                                          </p:stCondLst>
+                                        </p:cTn>
+                                        <p:tgtEl>
+                                          <p:spTgt spid="12">
+                                            <p:txEl>
+                                              <p:pRg st="0" end="0"/>
+                                            </p:txEl>
+                                          </p:spTgt>
+                                        </p:tgtEl>
+                                        <p:attrNameLst>
+                                          <p:attrName>style.visibility</p:attrName>
+                                        </p:attrNameLst>
+                                      </p:cBhvr>
+                                      <p:to>
+                                        <p:strVal val="visible"/>
+                                      </p:to>
+                                    </p:set>
+                                    <p:anim calcmode="lin" valueType="num">
+                                      <p:cBhvr additive="base">
+                                        <p:cTn id="49" dur="500" fill="hold"/>
+                                        <p:tgtEl>
+                                          <p:spTgt spid="12">
+                                            <p:txEl>
+                                              <p:pRg st="0" end="0"/>
+                                            </p:txEl>
+                                          </p:spTgt>
+                                        </p:tgtEl>
+                                        <p:attrNameLst>
+                                          <p:attrName>ppt_x</p:attrName>
+                                        </p:attrNameLst>
+                                      </p:cBhvr>
+                                      <p:tavLst>
+                                        <p:tav tm="0">
+                                          <p:val>
+                                            <p:strVal val="#ppt_x"/>
+                                          </p:val>
+                                        </p:tav>
+                                        <p:tav tm="100000">
+                                          <p:val>
+                                            <p:strVal val="#ppt_x"/>
+                                          </p:val>
+                                        </p:tav>
+                                      </p:tavLst>
+                                    </p:anim>
+                                    <p:anim calcmode="lin" valueType="num">
+                                      <p:cBhvr additive="base">
+                                        <p:cTn id="50" dur="500" fill="hold"/>
+                                        <p:tgtEl>
+                                          <p:spTgt spid="12">
+                                            <p:txEl>
+                                              <p:pRg st="0" end="0"/>
+                                            </p:txEl>
+                                          </p:spTgt>
+                                        </p:tgtEl>
+                                        <p:attrNameLst>
+                                          <p:attrName>ppt_y</p:attrName>
+                                        </p:attrNameLst>
+                                      </p:cBhvr>
+                                      <p:tavLst>
+                                        <p:tav tm="0">
+                                          <p:val>
+                                            <p:strVal val="1+#ppt_h/2"/>
+                                          </p:val>
+                                        </p:tav>
+                                        <p:tav tm="100000">
+                                          <p:val>
+                                            <p:strVal val="#ppt_y"/>
+                                          </p:val>
+                                        </p:tav>
+                                      </p:tavLst>
+                                    </p:anim>
+                                  </p:childTnLst>
+                                </p:cTn>
+                              </p:par>
+                            </p:childTnLst>
+                          </p:cTn>
+                        </p:par>
+                      </p:childTnLst>
+                    </p:cTn>
+                  </p:par>
+                  <p:par>
+                    <p:cTn id="51" fill="hold">
+                      <p:stCondLst>
+                        <p:cond delay="indefinite"/>
+                      </p:stCondLst>
+                      <p:childTnLst>
+                        <p:par>
+                          <p:cTn id="52" fill="hold">
+                            <p:stCondLst>
+                              <p:cond delay="0"/>
+                            </p:stCondLst>
+                            <p:childTnLst>
+                              <p:par>
+                                <p:cTn id="53" presetID="2" presetClass="entr" presetSubtype="4" fill="hold" nodeType="clickEffect">
+                                  <p:stCondLst>
+                                    <p:cond delay="0"/>
+                                  </p:stCondLst>
+                                  <p:childTnLst>
+                                    <p:set>
+                                      <p:cBhvr>
+                                        <p:cTn id="54" dur="1" fill="hold">
+                                          <p:stCondLst>
+                                            <p:cond delay="0"/>
+                                          </p:stCondLst>
+                                        </p:cTn>
+                                        <p:tgtEl>
+                                          <p:spTgt spid="25"/>
+                                        </p:tgtEl>
+                                        <p:attrNameLst>
+                                          <p:attrName>style.visibility</p:attrName>
+                                        </p:attrNameLst>
+                                      </p:cBhvr>
+                                      <p:to>
+                                        <p:strVal val="visible"/>
+                                      </p:to>
+                                    </p:set>
+                                    <p:anim calcmode="lin" valueType="num">
+                                      <p:cBhvr additive="base">
+                                        <p:cTn id="55" dur="500" fill="hold"/>
+                                        <p:tgtEl>
+                                          <p:spTgt spid="25"/>
+                                        </p:tgtEl>
+                                        <p:attrNameLst>
+                                          <p:attrName>ppt_x</p:attrName>
+                                        </p:attrNameLst>
+                                      </p:cBhvr>
+                                      <p:tavLst>
+                                        <p:tav tm="0">
+                                          <p:val>
+                                            <p:strVal val="#ppt_x"/>
+                                          </p:val>
+                                        </p:tav>
+                                        <p:tav tm="100000">
+                                          <p:val>
+                                            <p:strVal val="#ppt_x"/>
+                                          </p:val>
+                                        </p:tav>
+                                      </p:tavLst>
+                                    </p:anim>
+                                    <p:anim calcmode="lin" valueType="num">
+                                      <p:cBhvr additive="base">
+                                        <p:cTn id="56" dur="500" fill="hold"/>
+                                        <p:tgtEl>
+                                          <p:spTgt spid="25"/>
+                                        </p:tgtEl>
+                                        <p:attrNameLst>
+                                          <p:attrName>ppt_y</p:attrName>
+                                        </p:attrNameLst>
+                                      </p:cBhvr>
+                                      <p:tavLst>
+                                        <p:tav tm="0">
+                                          <p:val>
+                                            <p:strVal val="1+#ppt_h/2"/>
+                                          </p:val>
+                                        </p:tav>
+                                        <p:tav tm="100000">
+                                          <p:val>
+                                            <p:strVal val="#ppt_y"/>
+                                          </p:val>
+                                        </p:tav>
+                                      </p:tavLst>
+                                    </p:anim>
+                                  </p:childTnLst>
+                                </p:cTn>
+                              </p:par>
+                            </p:childTnLst>
+                          </p:cTn>
+                        </p:par>
+                      </p:childTnLst>
+                    </p:cTn>
+                  </p:par>
+                  <p:par>
+                    <p:cTn id="57" fill="hold">
+                      <p:stCondLst>
+                        <p:cond delay="indefinite"/>
+                      </p:stCondLst>
+                      <p:childTnLst>
+                        <p:par>
+                          <p:cTn id="58" fill="hold">
+                            <p:stCondLst>
+                              <p:cond delay="0"/>
+                            </p:stCondLst>
+                            <p:childTnLst>
+                              <p:par>
+                                <p:cTn id="59" presetID="2" presetClass="entr" presetSubtype="4" fill="hold" nodeType="clickEffect">
+                                  <p:stCondLst>
+                                    <p:cond delay="0"/>
+                                  </p:stCondLst>
+                                  <p:childTnLst>
+                                    <p:set>
+                                      <p:cBhvr>
+                                        <p:cTn id="60" dur="1" fill="hold">
+                                          <p:stCondLst>
+                                            <p:cond delay="0"/>
+                                          </p:stCondLst>
+                                        </p:cTn>
+                                        <p:tgtEl>
+                                          <p:spTgt spid="13">
+                                            <p:txEl>
+                                              <p:pRg st="0" end="0"/>
+                                            </p:txEl>
+                                          </p:spTgt>
+                                        </p:tgtEl>
+                                        <p:attrNameLst>
+                                          <p:attrName>style.visibility</p:attrName>
+                                        </p:attrNameLst>
+                                      </p:cBhvr>
+                                      <p:to>
+                                        <p:strVal val="visible"/>
+                                      </p:to>
+                                    </p:set>
+                                    <p:anim calcmode="lin" valueType="num">
+                                      <p:cBhvr additive="base">
+                                        <p:cTn id="61" dur="500" fill="hold"/>
+                                        <p:tgtEl>
+                                          <p:spTgt spid="13">
+                                            <p:txEl>
+                                              <p:pRg st="0" end="0"/>
+                                            </p:txEl>
+                                          </p:spTgt>
+                                        </p:tgtEl>
+                                        <p:attrNameLst>
+                                          <p:attrName>ppt_x</p:attrName>
+                                        </p:attrNameLst>
+                                      </p:cBhvr>
+                                      <p:tavLst>
+                                        <p:tav tm="0">
+                                          <p:val>
+                                            <p:strVal val="#ppt_x"/>
+                                          </p:val>
+                                        </p:tav>
+                                        <p:tav tm="100000">
+                                          <p:val>
+                                            <p:strVal val="#ppt_x"/>
+                                          </p:val>
+                                        </p:tav>
+                                      </p:tavLst>
+                                    </p:anim>
+                                    <p:anim calcmode="lin" valueType="num">
+                                      <p:cBhvr additive="base">
+                                        <p:cTn id="62" dur="500" fill="hold"/>
+                                        <p:tgtEl>
+                                          <p:spTgt spid="13">
+                                            <p:txEl>
+                                              <p:pRg st="0" end="0"/>
+                                            </p:txEl>
+                                          </p:spTgt>
+                                        </p:tgtEl>
+                                        <p:attrNameLst>
+                                          <p:attrName>ppt_y</p:attrName>
+                                        </p:attrNameLst>
+                                      </p:cBhvr>
+                                      <p:tavLst>
+                                        <p:tav tm="0">
+                                          <p:val>
+                                            <p:strVal val="1+#ppt_h/2"/>
+                                          </p:val>
+                                        </p:tav>
+                                        <p:tav tm="100000">
+                                          <p:val>
+                                            <p:strVal val="#ppt_y"/>
+                                          </p:val>
+                                        </p:tav>
+                                      </p:tavLst>
+                                    </p:anim>
+                                  </p:childTnLst>
+                                </p:cTn>
+                              </p:par>
+                            </p:childTnLst>
+                          </p:cTn>
+                        </p:par>
+                      </p:childTnLst>
+                    </p:cTn>
+                  </p:par>
+                  <p:par>
+                    <p:cTn id="63" fill="hold">
+                      <p:stCondLst>
+                        <p:cond delay="indefinite"/>
+                      </p:stCondLst>
+                      <p:childTnLst>
+                        <p:par>
+                          <p:cTn id="64" fill="hold">
+                            <p:stCondLst>
+                              <p:cond delay="0"/>
+                            </p:stCondLst>
+                            <p:childTnLst>
+                              <p:par>
+                                <p:cTn id="65" presetID="2" presetClass="entr" presetSubtype="4" fill="hold" nodeType="clickEffect">
+                                  <p:stCondLst>
+                                    <p:cond delay="0"/>
+                                  </p:stCondLst>
+                                  <p:childTnLst>
+                                    <p:set>
+                                      <p:cBhvr>
+                                        <p:cTn id="66" dur="1" fill="hold">
+                                          <p:stCondLst>
+                                            <p:cond delay="0"/>
+                                          </p:stCondLst>
+                                        </p:cTn>
+                                        <p:tgtEl>
+                                          <p:spTgt spid="23"/>
+                                        </p:tgtEl>
+                                        <p:attrNameLst>
+                                          <p:attrName>style.visibility</p:attrName>
+                                        </p:attrNameLst>
+                                      </p:cBhvr>
+                                      <p:to>
+                                        <p:strVal val="visible"/>
+                                      </p:to>
+                                    </p:set>
+                                    <p:anim calcmode="lin" valueType="num">
+                                      <p:cBhvr additive="base">
+                                        <p:cTn id="67" dur="500" fill="hold"/>
+                                        <p:tgtEl>
+                                          <p:spTgt spid="23"/>
+                                        </p:tgtEl>
+                                        <p:attrNameLst>
+                                          <p:attrName>ppt_x</p:attrName>
+                                        </p:attrNameLst>
+                                      </p:cBhvr>
+                                      <p:tavLst>
+                                        <p:tav tm="0">
+                                          <p:val>
+                                            <p:strVal val="#ppt_x"/>
+                                          </p:val>
+                                        </p:tav>
+                                        <p:tav tm="100000">
+                                          <p:val>
+                                            <p:strVal val="#ppt_x"/>
+                                          </p:val>
+                                        </p:tav>
+                                      </p:tavLst>
+                                    </p:anim>
+                                    <p:anim calcmode="lin" valueType="num">
+                                      <p:cBhvr additive="base">
+                                        <p:cTn id="68" dur="500" fill="hold"/>
+                                        <p:tgtEl>
+                                          <p:spTgt spid="23"/>
+                                        </p:tgtEl>
+                                        <p:attrNameLst>
+                                          <p:attrName>ppt_y</p:attrName>
+                                        </p:attrNameLst>
+                                      </p:cBhvr>
+                                      <p:tavLst>
+                                        <p:tav tm="0">
+                                          <p:val>
+                                            <p:strVal val="1+#ppt_h/2"/>
+                                          </p:val>
+                                        </p:tav>
+                                        <p:tav tm="100000">
+                                          <p:val>
+                                            <p:strVal val="#ppt_y"/>
+                                          </p:val>
+                                        </p:tav>
+                                      </p:tavLst>
+                                    </p:anim>
+                                  </p:childTnLst>
+                                </p:cTn>
+                              </p:par>
+                            </p:childTnLst>
+                          </p:cTn>
+                        </p:par>
+                      </p:childTnLst>
+                    </p:cTn>
+                  </p:par>
+                </p:childTnLst>
+              </p:cTn>
+              <p:prevCondLst>
+                <p:cond evt="onPrev" delay="0">
+                  <p:tgtEl>
+                    <p:sldTgt/>
+                  </p:tgtEl>
+                </p:cond>
+              </p:prevCondLst>
+              <p:nextCondLst>
+                <p:cond evt="onNext" delay="0">
+                  <p:tgtEl>
+                    <p:sldTgt/>
+                  </p:tgtEl>
+                </p:cond>
+              </p:nextCondLst>
+            </p:seq>
+          </p:childTnLst>
+        </p:cTn>
       </p:par>
     </p:tnLst>
+    <p:bldLst>
+      <p:bldP spid="2" grpId="0"/>
+      <p:bldP spid="9" grpId="0" build="p"/>
+      <p:bldP spid="10" grpId="0" build="p"/>
+      <p:bldP spid="12" grpId="0" build="p"/>
+      <p:bldP spid="16" grpId="0"/>
+    </p:bldLst>
   </p:timing>
 </p:sld>
 </file>
@@ -14174,8 +17121,8 @@
         </p:blipFill>
         <p:spPr>
           <a:xfrm>
-            <a:off x="3248249" y="541187"/>
-            <a:ext cx="5281797" cy="1224916"/>
+            <a:off x="4466129" y="363981"/>
+            <a:ext cx="4280305" cy="2860126"/>
           </a:xfrm>
           <a:prstGeom prst="rect">
             <a:avLst/>
@@ -14260,7 +17207,7 @@
         </p:nvSpPr>
         <p:spPr>
           <a:xfrm>
-            <a:off x="3248249" y="1859240"/>
+            <a:off x="4466129" y="3351809"/>
             <a:ext cx="1434786" cy="331007"/>
           </a:xfrm>
           <a:prstGeom prst="rect">
@@ -14307,6 +17254,18 @@
               </a:rPr>
               <a:t>JAVASCRIPT</a:t>
             </a:r>
+          </a:p>
+          <a:p>
+            <a:pPr marL="171450" indent="-171450"/>
+            <a:r>
+              <a:rPr lang="hu-HU" dirty="0" smtClean="0">
+                <a:solidFill>
+                  <a:schemeClr val="tx1"/>
+                </a:solidFill>
+                <a:latin typeface="Berlin Sans FB" panose="020E0602020502020306" pitchFamily="34" charset="0"/>
+              </a:rPr>
+              <a:t>PHP</a:t>
+            </a:r>
             <a:endParaRPr dirty="0">
               <a:solidFill>
                 <a:schemeClr val="tx1"/>
@@ -14316,6 +17275,66 @@
           </a:p>
         </p:txBody>
       </p:sp>
+      <p:pic>
+        <p:nvPicPr>
+          <p:cNvPr id="2" name="Kép 1"/>
+          <p:cNvPicPr>
+            <a:picLocks noChangeAspect="1"/>
+          </p:cNvPicPr>
+          <p:nvPr/>
+        </p:nvPicPr>
+        <p:blipFill>
+          <a:blip r:embed="rId4">
+            <a:extLst>
+              <a:ext uri="{28A0092B-C50C-407E-A947-70E740481C1C}">
+                <a14:useLocalDpi xmlns:a14="http://schemas.microsoft.com/office/drawing/2010/main" val="0"/>
+              </a:ext>
+            </a:extLst>
+          </a:blip>
+          <a:stretch>
+            <a:fillRect/>
+          </a:stretch>
+        </p:blipFill>
+        <p:spPr>
+          <a:xfrm>
+            <a:off x="296300" y="1682771"/>
+            <a:ext cx="3871509" cy="2488827"/>
+          </a:xfrm>
+          <a:prstGeom prst="rect">
+            <a:avLst/>
+          </a:prstGeom>
+          <a:solidFill>
+            <a:srgbClr val="FFFFFF">
+              <a:shade val="85000"/>
+            </a:srgbClr>
+          </a:solidFill>
+          <a:ln w="190500" cap="sq">
+            <a:solidFill>
+              <a:srgbClr val="FFFFFF"/>
+            </a:solidFill>
+            <a:miter lim="800000"/>
+          </a:ln>
+          <a:effectLst>
+            <a:outerShdw blurRad="55000" dist="18000" dir="5400000" algn="tl" rotWithShape="0">
+              <a:srgbClr val="000000">
+                <a:alpha val="40000"/>
+              </a:srgbClr>
+            </a:outerShdw>
+          </a:effectLst>
+          <a:scene3d>
+            <a:camera prst="orthographicFront"/>
+            <a:lightRig rig="twoPt" dir="t">
+              <a:rot lat="0" lon="0" rev="7200000"/>
+            </a:lightRig>
+          </a:scene3d>
+          <a:sp3d>
+            <a:bevelT w="25400" h="19050"/>
+            <a:contourClr>
+              <a:srgbClr val="FFFFFF"/>
+            </a:contourClr>
+          </a:sp3d>
+        </p:spPr>
+      </p:pic>
     </p:spTree>
     <p:extLst>
       <p:ext uri="{BB962C8B-B14F-4D97-AF65-F5344CB8AC3E}">
@@ -14377,24 +17396,21 @@
         </p:blipFill>
         <p:spPr>
           <a:xfrm>
-            <a:off x="4619849" y="1744525"/>
-            <a:ext cx="2760665" cy="2292123"/>
+            <a:off x="5083676" y="2011337"/>
+            <a:ext cx="3430847" cy="1986279"/>
           </a:xfrm>
-          <a:prstGeom prst="roundRect">
-            <a:avLst>
-              <a:gd name="adj" fmla="val 2716"/>
-            </a:avLst>
+          <a:prstGeom prst="rect">
+            <a:avLst/>
           </a:prstGeom>
-          <a:solidFill>
-            <a:srgbClr val="FFFFFF">
-              <a:shade val="85000"/>
-            </a:srgbClr>
-          </a:solidFill>
           <a:ln>
             <a:noFill/>
           </a:ln>
           <a:effectLst>
-            <a:reflection blurRad="12700" stA="38000" endPos="28000" dist="5000" dir="5400000" sy="-100000" algn="bl" rotWithShape="0"/>
+            <a:outerShdw blurRad="292100" dist="139700" dir="2700000" algn="tl" rotWithShape="0">
+              <a:srgbClr val="333333">
+                <a:alpha val="65000"/>
+              </a:srgbClr>
+            </a:outerShdw>
           </a:effectLst>
         </p:spPr>
       </p:pic>
@@ -14442,13 +17458,7 @@
               <a:rPr lang="hu-HU" dirty="0" smtClean="0">
                 <a:latin typeface="Berlin Sans FB" panose="020E0602020502020306" pitchFamily="34" charset="0"/>
               </a:rPr>
-              <a:t>. </a:t>
-            </a:r>
-            <a:r>
-              <a:rPr lang="hu-HU" dirty="0" smtClean="0">
-                <a:latin typeface="Berlin Sans FB" panose="020E0602020502020306" pitchFamily="34" charset="0"/>
-              </a:rPr>
-              <a:t>Bejelentkezés és Regisztráció</a:t>
+              <a:t>. Bejelentkezés és Regisztráció</a:t>
             </a:r>
             <a:endParaRPr dirty="0">
               <a:latin typeface="Berlin Sans FB" panose="020E0602020502020306" pitchFamily="34" charset="0"/>
@@ -14480,35 +17490,24 @@
         </p:blipFill>
         <p:spPr>
           <a:xfrm>
-            <a:off x="1240972" y="2616944"/>
-            <a:ext cx="2063931" cy="1398458"/>
+            <a:off x="424071" y="1179762"/>
+            <a:ext cx="3737113" cy="1967949"/>
           </a:xfrm>
-          <a:prstGeom prst="roundRect">
-            <a:avLst>
-              <a:gd name="adj" fmla="val 16756"/>
-            </a:avLst>
+          <a:prstGeom prst="rect">
+            <a:avLst/>
           </a:prstGeom>
+          <a:ln>
+            <a:noFill/>
+          </a:ln>
+          <a:effectLst>
+            <a:outerShdw blurRad="292100" dist="139700" dir="2700000" algn="tl" rotWithShape="0">
+              <a:srgbClr val="333333">
+                <a:alpha val="65000"/>
+              </a:srgbClr>
+            </a:outerShdw>
+          </a:effectLst>
         </p:spPr>
       </p:pic>
-      <p:sp>
-        <p:nvSpPr>
-          <p:cNvPr id="2" name="Alcím 1"/>
-          <p:cNvSpPr>
-            <a:spLocks noGrp="1"/>
-          </p:cNvSpPr>
-          <p:nvPr>
-            <p:ph type="subTitle" idx="1"/>
-          </p:nvPr>
-        </p:nvSpPr>
-        <p:spPr/>
-        <p:txBody>
-          <a:bodyPr/>
-          <a:lstStyle/>
-          <a:p>
-            <a:endParaRPr lang="hu-HU"/>
-          </a:p>
-        </p:txBody>
-      </p:sp>
     </p:spTree>
     <p:extLst>
       <p:ext uri="{BB962C8B-B14F-4D97-AF65-F5344CB8AC3E}">
